--- a/docs/immutablejs_谢飞.pptx
+++ b/docs/immutablejs_谢飞.pptx
@@ -5,7 +5,7 @@
     <p:sldMasterId id="2147483660" r:id="rId1"/>
   </p:sldMasterIdLst>
   <p:notesMasterIdLst>
-    <p:notesMasterId r:id="rId9"/>
+    <p:notesMasterId r:id="rId20"/>
   </p:notesMasterIdLst>
   <p:sldIdLst>
     <p:sldId id="256" r:id="rId2"/>
@@ -15,6 +15,17 @@
     <p:sldId id="260" r:id="rId6"/>
     <p:sldId id="261" r:id="rId7"/>
     <p:sldId id="262" r:id="rId8"/>
+    <p:sldId id="263" r:id="rId9"/>
+    <p:sldId id="264" r:id="rId10"/>
+    <p:sldId id="265" r:id="rId11"/>
+    <p:sldId id="267" r:id="rId12"/>
+    <p:sldId id="266" r:id="rId13"/>
+    <p:sldId id="268" r:id="rId14"/>
+    <p:sldId id="269" r:id="rId15"/>
+    <p:sldId id="270" r:id="rId16"/>
+    <p:sldId id="271" r:id="rId17"/>
+    <p:sldId id="273" r:id="rId18"/>
+    <p:sldId id="272" r:id="rId19"/>
   </p:sldIdLst>
   <p:sldSz cx="12192000" cy="6858000"/>
   <p:notesSz cx="6858000" cy="9144000"/>
@@ -113,6 +124,11 @@
       </a:defRPr>
     </a:lvl9pPr>
   </p:defaultTextStyle>
+  <p:extLst>
+    <p:ext uri="{EFAFB233-063F-42B5-8137-9DF3F51BA10A}">
+      <p15:sldGuideLst xmlns:p15="http://schemas.microsoft.com/office/powerpoint/2012/main"/>
+    </p:ext>
+  </p:extLst>
 </p:presentation>
 </file>
 
@@ -198,7 +214,7 @@
           <a:p>
             <a:fld id="{1377FC15-6875-41C1-B773-34D22BC89BF6}" type="datetimeFigureOut">
               <a:rPr lang="zh-CN" altLang="en-US" smtClean="0"/>
-              <a:t>2017/9/3 Sunday</a:t>
+              <a:t>2017/9/5 Tuesday</a:t>
             </a:fld>
             <a:endParaRPr lang="zh-CN" altLang="en-US"/>
           </a:p>
@@ -591,6 +607,946 @@
 </p:notes>
 </file>
 
+<file path=ppt/notesSlides/notesSlide10.xml><?xml version="1.0" encoding="utf-8"?>
+<p:notes xmlns:a="http://schemas.openxmlformats.org/drawingml/2006/main" xmlns:r="http://schemas.openxmlformats.org/officeDocument/2006/relationships" xmlns:p="http://schemas.openxmlformats.org/presentationml/2006/main">
+  <p:cSld>
+    <p:spTree>
+      <p:nvGrpSpPr>
+        <p:cNvPr id="1" name=""/>
+        <p:cNvGrpSpPr/>
+        <p:nvPr/>
+      </p:nvGrpSpPr>
+      <p:grpSpPr>
+        <a:xfrm>
+          <a:off x="0" y="0"/>
+          <a:ext cx="0" cy="0"/>
+          <a:chOff x="0" y="0"/>
+          <a:chExt cx="0" cy="0"/>
+        </a:xfrm>
+      </p:grpSpPr>
+      <p:sp>
+        <p:nvSpPr>
+          <p:cNvPr id="2" name="幻灯片图像占位符 1"/>
+          <p:cNvSpPr>
+            <a:spLocks noGrp="1" noRot="1" noChangeAspect="1"/>
+          </p:cNvSpPr>
+          <p:nvPr>
+            <p:ph type="sldImg"/>
+          </p:nvPr>
+        </p:nvSpPr>
+        <p:spPr/>
+      </p:sp>
+      <p:sp>
+        <p:nvSpPr>
+          <p:cNvPr id="3" name="备注占位符 2"/>
+          <p:cNvSpPr>
+            <a:spLocks noGrp="1"/>
+          </p:cNvSpPr>
+          <p:nvPr>
+            <p:ph type="body" idx="1"/>
+          </p:nvPr>
+        </p:nvSpPr>
+        <p:spPr/>
+        <p:txBody>
+          <a:bodyPr/>
+          <a:lstStyle/>
+          <a:p>
+            <a:r>
+              <a:rPr lang="zh-CN" altLang="en-US" dirty="0" smtClean="0"/>
+              <a:t>初始状态设置为</a:t>
+            </a:r>
+            <a:r>
+              <a:rPr lang="en-US" altLang="zh-CN" dirty="0" smtClean="0"/>
+              <a:t>Immutable</a:t>
+            </a:r>
+            <a:r>
+              <a:rPr lang="zh-CN" altLang="en-US" dirty="0" smtClean="0"/>
+              <a:t>之后，对状态数据的操作，</a:t>
+            </a:r>
+            <a:r>
+              <a:rPr lang="en-US" altLang="zh-CN" dirty="0" err="1" smtClean="0"/>
+              <a:t>api</a:t>
+            </a:r>
+            <a:r>
+              <a:rPr lang="zh-CN" altLang="en-US" dirty="0" smtClean="0"/>
+              <a:t>就要对应的改变，这里已</a:t>
+            </a:r>
+            <a:r>
+              <a:rPr lang="en-US" altLang="zh-CN" dirty="0" smtClean="0"/>
+              <a:t>ADD</a:t>
+            </a:r>
+            <a:r>
+              <a:rPr lang="en-US" altLang="zh-CN" baseline="0" dirty="0" smtClean="0"/>
+              <a:t> </a:t>
+            </a:r>
+            <a:r>
+              <a:rPr lang="zh-CN" altLang="en-US" baseline="0" dirty="0" smtClean="0"/>
+              <a:t>和 </a:t>
+            </a:r>
+            <a:r>
+              <a:rPr lang="en-US" altLang="zh-CN" baseline="0" dirty="0" smtClean="0"/>
+              <a:t>DELETE</a:t>
+            </a:r>
+            <a:r>
+              <a:rPr lang="zh-CN" altLang="en-US" baseline="0" dirty="0" smtClean="0"/>
+              <a:t>为例</a:t>
+            </a:r>
+            <a:endParaRPr lang="zh-CN" altLang="en-US" dirty="0"/>
+          </a:p>
+        </p:txBody>
+      </p:sp>
+      <p:sp>
+        <p:nvSpPr>
+          <p:cNvPr id="4" name="灯片编号占位符 3"/>
+          <p:cNvSpPr>
+            <a:spLocks noGrp="1"/>
+          </p:cNvSpPr>
+          <p:nvPr>
+            <p:ph type="sldNum" sz="quarter" idx="10"/>
+          </p:nvPr>
+        </p:nvSpPr>
+        <p:spPr/>
+        <p:txBody>
+          <a:bodyPr/>
+          <a:lstStyle/>
+          <a:p>
+            <a:fld id="{A86041C0-71BB-4827-9077-3D63786E6D6E}" type="slidenum">
+              <a:rPr lang="zh-CN" altLang="en-US" smtClean="0"/>
+              <a:t>11</a:t>
+            </a:fld>
+            <a:endParaRPr lang="zh-CN" altLang="en-US"/>
+          </a:p>
+        </p:txBody>
+      </p:sp>
+    </p:spTree>
+    <p:extLst>
+      <p:ext uri="{BB962C8B-B14F-4D97-AF65-F5344CB8AC3E}">
+        <p14:creationId xmlns:p14="http://schemas.microsoft.com/office/powerpoint/2010/main" val="1479687677"/>
+      </p:ext>
+    </p:extLst>
+  </p:cSld>
+  <p:clrMapOvr>
+    <a:masterClrMapping/>
+  </p:clrMapOvr>
+</p:notes>
+</file>
+
+<file path=ppt/notesSlides/notesSlide11.xml><?xml version="1.0" encoding="utf-8"?>
+<p:notes xmlns:a="http://schemas.openxmlformats.org/drawingml/2006/main" xmlns:r="http://schemas.openxmlformats.org/officeDocument/2006/relationships" xmlns:p="http://schemas.openxmlformats.org/presentationml/2006/main">
+  <p:cSld>
+    <p:spTree>
+      <p:nvGrpSpPr>
+        <p:cNvPr id="1" name=""/>
+        <p:cNvGrpSpPr/>
+        <p:nvPr/>
+      </p:nvGrpSpPr>
+      <p:grpSpPr>
+        <a:xfrm>
+          <a:off x="0" y="0"/>
+          <a:ext cx="0" cy="0"/>
+          <a:chOff x="0" y="0"/>
+          <a:chExt cx="0" cy="0"/>
+        </a:xfrm>
+      </p:grpSpPr>
+      <p:sp>
+        <p:nvSpPr>
+          <p:cNvPr id="2" name="幻灯片图像占位符 1"/>
+          <p:cNvSpPr>
+            <a:spLocks noGrp="1" noRot="1" noChangeAspect="1"/>
+          </p:cNvSpPr>
+          <p:nvPr>
+            <p:ph type="sldImg"/>
+          </p:nvPr>
+        </p:nvSpPr>
+        <p:spPr/>
+      </p:sp>
+      <p:sp>
+        <p:nvSpPr>
+          <p:cNvPr id="3" name="备注占位符 2"/>
+          <p:cNvSpPr>
+            <a:spLocks noGrp="1"/>
+          </p:cNvSpPr>
+          <p:nvPr>
+            <p:ph type="body" idx="1"/>
+          </p:nvPr>
+        </p:nvSpPr>
+        <p:spPr/>
+        <p:txBody>
+          <a:bodyPr/>
+          <a:lstStyle/>
+          <a:p>
+            <a:r>
+              <a:rPr lang="zh-CN" altLang="en-US" dirty="0" smtClean="0"/>
+              <a:t>原来</a:t>
+            </a:r>
+            <a:r>
+              <a:rPr lang="en-US" altLang="zh-CN" dirty="0" smtClean="0"/>
+              <a:t>redux</a:t>
+            </a:r>
+            <a:r>
+              <a:rPr lang="zh-CN" altLang="en-US" dirty="0" smtClean="0"/>
+              <a:t>中，</a:t>
+            </a:r>
+            <a:r>
+              <a:rPr lang="en-US" altLang="zh-CN" dirty="0" smtClean="0"/>
+              <a:t>state</a:t>
+            </a:r>
+            <a:r>
+              <a:rPr lang="zh-CN" altLang="en-US" dirty="0" smtClean="0"/>
+              <a:t>是</a:t>
+            </a:r>
+            <a:r>
+              <a:rPr lang="en-US" altLang="zh-CN" dirty="0" err="1" smtClean="0"/>
+              <a:t>plainObject</a:t>
+            </a:r>
+            <a:r>
+              <a:rPr lang="zh-CN" altLang="en-US" dirty="0" smtClean="0"/>
+              <a:t>，现在被替换成</a:t>
+            </a:r>
+            <a:r>
+              <a:rPr lang="en-US" altLang="zh-CN" dirty="0" smtClean="0"/>
+              <a:t>Immutable</a:t>
+            </a:r>
+            <a:r>
+              <a:rPr lang="zh-CN" altLang="en-US" dirty="0" smtClean="0"/>
+              <a:t>，就不再是</a:t>
+            </a:r>
+            <a:r>
+              <a:rPr lang="en-US" altLang="zh-CN" dirty="0" err="1" smtClean="0"/>
+              <a:t>plainObject</a:t>
+            </a:r>
+            <a:r>
+              <a:rPr lang="zh-CN" altLang="en-US" dirty="0" smtClean="0"/>
+              <a:t>，因此</a:t>
+            </a:r>
+            <a:r>
+              <a:rPr lang="en-US" altLang="zh-CN" dirty="0" smtClean="0"/>
+              <a:t>redux</a:t>
+            </a:r>
+            <a:r>
+              <a:rPr lang="zh-CN" altLang="en-US" dirty="0" smtClean="0"/>
+              <a:t>内部对</a:t>
+            </a:r>
+            <a:r>
+              <a:rPr lang="en-US" altLang="zh-CN" dirty="0" smtClean="0"/>
+              <a:t>state</a:t>
+            </a:r>
+            <a:r>
+              <a:rPr lang="zh-CN" altLang="en-US" dirty="0" smtClean="0"/>
+              <a:t>的处理也要改变</a:t>
+            </a:r>
+            <a:endParaRPr lang="zh-CN" altLang="en-US" dirty="0"/>
+          </a:p>
+        </p:txBody>
+      </p:sp>
+      <p:sp>
+        <p:nvSpPr>
+          <p:cNvPr id="4" name="灯片编号占位符 3"/>
+          <p:cNvSpPr>
+            <a:spLocks noGrp="1"/>
+          </p:cNvSpPr>
+          <p:nvPr>
+            <p:ph type="sldNum" sz="quarter" idx="10"/>
+          </p:nvPr>
+        </p:nvSpPr>
+        <p:spPr/>
+        <p:txBody>
+          <a:bodyPr/>
+          <a:lstStyle/>
+          <a:p>
+            <a:fld id="{A86041C0-71BB-4827-9077-3D63786E6D6E}" type="slidenum">
+              <a:rPr lang="zh-CN" altLang="en-US" smtClean="0"/>
+              <a:t>12</a:t>
+            </a:fld>
+            <a:endParaRPr lang="zh-CN" altLang="en-US"/>
+          </a:p>
+        </p:txBody>
+      </p:sp>
+    </p:spTree>
+    <p:extLst>
+      <p:ext uri="{BB962C8B-B14F-4D97-AF65-F5344CB8AC3E}">
+        <p14:creationId xmlns:p14="http://schemas.microsoft.com/office/powerpoint/2010/main" val="340305743"/>
+      </p:ext>
+    </p:extLst>
+  </p:cSld>
+  <p:clrMapOvr>
+    <a:masterClrMapping/>
+  </p:clrMapOvr>
+</p:notes>
+</file>
+
+<file path=ppt/notesSlides/notesSlide12.xml><?xml version="1.0" encoding="utf-8"?>
+<p:notes xmlns:a="http://schemas.openxmlformats.org/drawingml/2006/main" xmlns:r="http://schemas.openxmlformats.org/officeDocument/2006/relationships" xmlns:p="http://schemas.openxmlformats.org/presentationml/2006/main">
+  <p:cSld>
+    <p:spTree>
+      <p:nvGrpSpPr>
+        <p:cNvPr id="1" name=""/>
+        <p:cNvGrpSpPr/>
+        <p:nvPr/>
+      </p:nvGrpSpPr>
+      <p:grpSpPr>
+        <a:xfrm>
+          <a:off x="0" y="0"/>
+          <a:ext cx="0" cy="0"/>
+          <a:chOff x="0" y="0"/>
+          <a:chExt cx="0" cy="0"/>
+        </a:xfrm>
+      </p:grpSpPr>
+      <p:sp>
+        <p:nvSpPr>
+          <p:cNvPr id="2" name="幻灯片图像占位符 1"/>
+          <p:cNvSpPr>
+            <a:spLocks noGrp="1" noRot="1" noChangeAspect="1"/>
+          </p:cNvSpPr>
+          <p:nvPr>
+            <p:ph type="sldImg"/>
+          </p:nvPr>
+        </p:nvSpPr>
+        <p:spPr/>
+      </p:sp>
+      <p:sp>
+        <p:nvSpPr>
+          <p:cNvPr id="3" name="备注占位符 2"/>
+          <p:cNvSpPr>
+            <a:spLocks noGrp="1"/>
+          </p:cNvSpPr>
+          <p:nvPr>
+            <p:ph type="body" idx="1"/>
+          </p:nvPr>
+        </p:nvSpPr>
+        <p:spPr/>
+        <p:txBody>
+          <a:bodyPr/>
+          <a:lstStyle/>
+          <a:p>
+            <a:r>
+              <a:rPr lang="zh-CN" altLang="en-US" dirty="0" smtClean="0"/>
+              <a:t>当</a:t>
+            </a:r>
+            <a:r>
+              <a:rPr lang="en-US" altLang="zh-CN" dirty="0" smtClean="0"/>
+              <a:t>store</a:t>
+            </a:r>
+            <a:r>
+              <a:rPr lang="zh-CN" altLang="en-US" dirty="0" smtClean="0"/>
+              <a:t>中</a:t>
+            </a:r>
+            <a:r>
+              <a:rPr lang="en-US" altLang="zh-CN" dirty="0" smtClean="0"/>
+              <a:t>Immutable</a:t>
+            </a:r>
+            <a:r>
+              <a:rPr lang="zh-CN" altLang="en-US" dirty="0" smtClean="0"/>
+              <a:t>的数据被引入到组件中时，有两个注意点</a:t>
+            </a:r>
+            <a:r>
+              <a:rPr lang="en-US" altLang="zh-CN" dirty="0" smtClean="0"/>
+              <a:t>:</a:t>
+            </a:r>
+          </a:p>
+          <a:p>
+            <a:r>
+              <a:rPr lang="zh-CN" altLang="en-US" dirty="0" smtClean="0"/>
+              <a:t>一个是对</a:t>
+            </a:r>
+            <a:r>
+              <a:rPr lang="en-US" altLang="zh-CN" dirty="0" err="1" smtClean="0"/>
+              <a:t>propTypes</a:t>
+            </a:r>
+            <a:r>
+              <a:rPr lang="zh-CN" altLang="en-US" dirty="0" smtClean="0"/>
+              <a:t>的校验，以前是一个</a:t>
+            </a:r>
+            <a:r>
+              <a:rPr lang="en-US" altLang="zh-CN" dirty="0" smtClean="0"/>
+              <a:t>Array</a:t>
+            </a:r>
+            <a:r>
+              <a:rPr lang="zh-CN" altLang="en-US" dirty="0" smtClean="0"/>
+              <a:t>，现在则是</a:t>
+            </a:r>
+            <a:r>
+              <a:rPr lang="en-US" altLang="zh-CN" dirty="0" err="1" smtClean="0"/>
+              <a:t>PropTypes.instanceOf</a:t>
+            </a:r>
+            <a:r>
+              <a:rPr lang="en-US" altLang="zh-CN" dirty="0" smtClean="0"/>
+              <a:t>(</a:t>
+            </a:r>
+            <a:r>
+              <a:rPr lang="en-US" altLang="zh-CN" dirty="0" err="1" smtClean="0"/>
+              <a:t>Immutable.List</a:t>
+            </a:r>
+            <a:r>
+              <a:rPr lang="en-US" altLang="zh-CN" dirty="0" smtClean="0"/>
+              <a:t>)</a:t>
+            </a:r>
+          </a:p>
+          <a:p>
+            <a:r>
+              <a:rPr lang="zh-CN" altLang="en-US" dirty="0" smtClean="0"/>
+              <a:t>二是</a:t>
+            </a:r>
+            <a:r>
+              <a:rPr lang="en-US" altLang="zh-CN" dirty="0" smtClean="0"/>
+              <a:t>connect</a:t>
+            </a:r>
+            <a:r>
+              <a:rPr lang="zh-CN" altLang="en-US" dirty="0" smtClean="0"/>
+              <a:t>数据的时候，得用</a:t>
+            </a:r>
+            <a:r>
+              <a:rPr lang="en-US" altLang="zh-CN" dirty="0" smtClean="0"/>
+              <a:t>immutable</a:t>
+            </a:r>
+            <a:r>
+              <a:rPr lang="zh-CN" altLang="en-US" dirty="0" smtClean="0"/>
+              <a:t>的</a:t>
+            </a:r>
+            <a:r>
+              <a:rPr lang="en-US" altLang="zh-CN" dirty="0" smtClean="0"/>
+              <a:t>API</a:t>
+            </a:r>
+            <a:r>
+              <a:rPr lang="zh-CN" altLang="en-US" dirty="0" smtClean="0"/>
+              <a:t>把需要的数据</a:t>
+            </a:r>
+            <a:r>
+              <a:rPr lang="en-US" altLang="zh-CN" dirty="0" smtClean="0"/>
+              <a:t>connect</a:t>
+            </a:r>
+            <a:r>
+              <a:rPr lang="zh-CN" altLang="en-US" dirty="0" smtClean="0"/>
+              <a:t>到组件中</a:t>
+            </a:r>
+            <a:endParaRPr lang="zh-CN" altLang="en-US" dirty="0"/>
+          </a:p>
+        </p:txBody>
+      </p:sp>
+      <p:sp>
+        <p:nvSpPr>
+          <p:cNvPr id="4" name="灯片编号占位符 3"/>
+          <p:cNvSpPr>
+            <a:spLocks noGrp="1"/>
+          </p:cNvSpPr>
+          <p:nvPr>
+            <p:ph type="sldNum" sz="quarter" idx="10"/>
+          </p:nvPr>
+        </p:nvSpPr>
+        <p:spPr/>
+        <p:txBody>
+          <a:bodyPr/>
+          <a:lstStyle/>
+          <a:p>
+            <a:fld id="{A86041C0-71BB-4827-9077-3D63786E6D6E}" type="slidenum">
+              <a:rPr lang="zh-CN" altLang="en-US" smtClean="0"/>
+              <a:t>13</a:t>
+            </a:fld>
+            <a:endParaRPr lang="zh-CN" altLang="en-US"/>
+          </a:p>
+        </p:txBody>
+      </p:sp>
+    </p:spTree>
+    <p:extLst>
+      <p:ext uri="{BB962C8B-B14F-4D97-AF65-F5344CB8AC3E}">
+        <p14:creationId xmlns:p14="http://schemas.microsoft.com/office/powerpoint/2010/main" val="83863545"/>
+      </p:ext>
+    </p:extLst>
+  </p:cSld>
+  <p:clrMapOvr>
+    <a:masterClrMapping/>
+  </p:clrMapOvr>
+</p:notes>
+</file>
+
+<file path=ppt/notesSlides/notesSlide13.xml><?xml version="1.0" encoding="utf-8"?>
+<p:notes xmlns:a="http://schemas.openxmlformats.org/drawingml/2006/main" xmlns:r="http://schemas.openxmlformats.org/officeDocument/2006/relationships" xmlns:p="http://schemas.openxmlformats.org/presentationml/2006/main">
+  <p:cSld>
+    <p:spTree>
+      <p:nvGrpSpPr>
+        <p:cNvPr id="1" name=""/>
+        <p:cNvGrpSpPr/>
+        <p:nvPr/>
+      </p:nvGrpSpPr>
+      <p:grpSpPr>
+        <a:xfrm>
+          <a:off x="0" y="0"/>
+          <a:ext cx="0" cy="0"/>
+          <a:chOff x="0" y="0"/>
+          <a:chExt cx="0" cy="0"/>
+        </a:xfrm>
+      </p:grpSpPr>
+      <p:sp>
+        <p:nvSpPr>
+          <p:cNvPr id="2" name="幻灯片图像占位符 1"/>
+          <p:cNvSpPr>
+            <a:spLocks noGrp="1" noRot="1" noChangeAspect="1"/>
+          </p:cNvSpPr>
+          <p:nvPr>
+            <p:ph type="sldImg"/>
+          </p:nvPr>
+        </p:nvSpPr>
+        <p:spPr/>
+      </p:sp>
+      <p:sp>
+        <p:nvSpPr>
+          <p:cNvPr id="3" name="备注占位符 2"/>
+          <p:cNvSpPr>
+            <a:spLocks noGrp="1"/>
+          </p:cNvSpPr>
+          <p:nvPr>
+            <p:ph type="body" idx="1"/>
+          </p:nvPr>
+        </p:nvSpPr>
+        <p:spPr/>
+        <p:txBody>
+          <a:bodyPr/>
+          <a:lstStyle/>
+          <a:p>
+            <a:r>
+              <a:rPr lang="zh-CN" altLang="en-US" dirty="0" smtClean="0"/>
+              <a:t>最终在组件渲染使用数据的时候，也要使用对应的</a:t>
+            </a:r>
+            <a:r>
+              <a:rPr lang="en-US" altLang="zh-CN" dirty="0" smtClean="0"/>
+              <a:t>API</a:t>
+            </a:r>
+            <a:r>
+              <a:rPr lang="zh-CN" altLang="en-US" dirty="0" smtClean="0"/>
+              <a:t>取数据</a:t>
+            </a:r>
+            <a:endParaRPr lang="zh-CN" altLang="en-US" dirty="0"/>
+          </a:p>
+        </p:txBody>
+      </p:sp>
+      <p:sp>
+        <p:nvSpPr>
+          <p:cNvPr id="4" name="灯片编号占位符 3"/>
+          <p:cNvSpPr>
+            <a:spLocks noGrp="1"/>
+          </p:cNvSpPr>
+          <p:nvPr>
+            <p:ph type="sldNum" sz="quarter" idx="10"/>
+          </p:nvPr>
+        </p:nvSpPr>
+        <p:spPr/>
+        <p:txBody>
+          <a:bodyPr/>
+          <a:lstStyle/>
+          <a:p>
+            <a:fld id="{A86041C0-71BB-4827-9077-3D63786E6D6E}" type="slidenum">
+              <a:rPr lang="zh-CN" altLang="en-US" smtClean="0"/>
+              <a:t>14</a:t>
+            </a:fld>
+            <a:endParaRPr lang="zh-CN" altLang="en-US"/>
+          </a:p>
+        </p:txBody>
+      </p:sp>
+    </p:spTree>
+    <p:extLst>
+      <p:ext uri="{BB962C8B-B14F-4D97-AF65-F5344CB8AC3E}">
+        <p14:creationId xmlns:p14="http://schemas.microsoft.com/office/powerpoint/2010/main" val="2271032666"/>
+      </p:ext>
+    </p:extLst>
+  </p:cSld>
+  <p:clrMapOvr>
+    <a:masterClrMapping/>
+  </p:clrMapOvr>
+</p:notes>
+</file>
+
+<file path=ppt/notesSlides/notesSlide14.xml><?xml version="1.0" encoding="utf-8"?>
+<p:notes xmlns:a="http://schemas.openxmlformats.org/drawingml/2006/main" xmlns:r="http://schemas.openxmlformats.org/officeDocument/2006/relationships" xmlns:p="http://schemas.openxmlformats.org/presentationml/2006/main">
+  <p:cSld>
+    <p:spTree>
+      <p:nvGrpSpPr>
+        <p:cNvPr id="1" name=""/>
+        <p:cNvGrpSpPr/>
+        <p:nvPr/>
+      </p:nvGrpSpPr>
+      <p:grpSpPr>
+        <a:xfrm>
+          <a:off x="0" y="0"/>
+          <a:ext cx="0" cy="0"/>
+          <a:chOff x="0" y="0"/>
+          <a:chExt cx="0" cy="0"/>
+        </a:xfrm>
+      </p:grpSpPr>
+      <p:sp>
+        <p:nvSpPr>
+          <p:cNvPr id="2" name="幻灯片图像占位符 1"/>
+          <p:cNvSpPr>
+            <a:spLocks noGrp="1" noRot="1" noChangeAspect="1"/>
+          </p:cNvSpPr>
+          <p:nvPr>
+            <p:ph type="sldImg"/>
+          </p:nvPr>
+        </p:nvSpPr>
+        <p:spPr/>
+      </p:sp>
+      <p:sp>
+        <p:nvSpPr>
+          <p:cNvPr id="3" name="备注占位符 2"/>
+          <p:cNvSpPr>
+            <a:spLocks noGrp="1"/>
+          </p:cNvSpPr>
+          <p:nvPr>
+            <p:ph type="body" idx="1"/>
+          </p:nvPr>
+        </p:nvSpPr>
+        <p:spPr/>
+        <p:txBody>
+          <a:bodyPr/>
+          <a:lstStyle/>
+          <a:p>
+            <a:r>
+              <a:rPr lang="en-US" altLang="zh-CN" dirty="0" err="1" smtClean="0"/>
+              <a:t>Todo</a:t>
+            </a:r>
+            <a:r>
+              <a:rPr lang="en-US" altLang="zh-CN" dirty="0" smtClean="0"/>
+              <a:t>: Immutable.js</a:t>
+            </a:r>
+            <a:r>
+              <a:rPr lang="en-US" altLang="zh-CN" baseline="0" dirty="0" smtClean="0"/>
+              <a:t> </a:t>
+            </a:r>
+            <a:r>
+              <a:rPr lang="zh-CN" altLang="en-US" baseline="0" dirty="0" smtClean="0"/>
+              <a:t>用于优化</a:t>
+            </a:r>
+            <a:r>
+              <a:rPr lang="en-US" altLang="zh-CN" baseline="0" dirty="0" smtClean="0"/>
+              <a:t>react</a:t>
+            </a:r>
+            <a:r>
+              <a:rPr lang="zh-CN" altLang="en-US" baseline="0" dirty="0" smtClean="0"/>
+              <a:t>组件的性能</a:t>
+            </a:r>
+            <a:endParaRPr lang="zh-CN" altLang="en-US" dirty="0"/>
+          </a:p>
+        </p:txBody>
+      </p:sp>
+      <p:sp>
+        <p:nvSpPr>
+          <p:cNvPr id="4" name="灯片编号占位符 3"/>
+          <p:cNvSpPr>
+            <a:spLocks noGrp="1"/>
+          </p:cNvSpPr>
+          <p:nvPr>
+            <p:ph type="sldNum" sz="quarter" idx="10"/>
+          </p:nvPr>
+        </p:nvSpPr>
+        <p:spPr/>
+        <p:txBody>
+          <a:bodyPr/>
+          <a:lstStyle/>
+          <a:p>
+            <a:fld id="{A86041C0-71BB-4827-9077-3D63786E6D6E}" type="slidenum">
+              <a:rPr lang="zh-CN" altLang="en-US" smtClean="0"/>
+              <a:t>15</a:t>
+            </a:fld>
+            <a:endParaRPr lang="zh-CN" altLang="en-US"/>
+          </a:p>
+        </p:txBody>
+      </p:sp>
+    </p:spTree>
+    <p:extLst>
+      <p:ext uri="{BB962C8B-B14F-4D97-AF65-F5344CB8AC3E}">
+        <p14:creationId xmlns:p14="http://schemas.microsoft.com/office/powerpoint/2010/main" val="870616530"/>
+      </p:ext>
+    </p:extLst>
+  </p:cSld>
+  <p:clrMapOvr>
+    <a:masterClrMapping/>
+  </p:clrMapOvr>
+</p:notes>
+</file>
+
+<file path=ppt/notesSlides/notesSlide15.xml><?xml version="1.0" encoding="utf-8"?>
+<p:notes xmlns:a="http://schemas.openxmlformats.org/drawingml/2006/main" xmlns:r="http://schemas.openxmlformats.org/officeDocument/2006/relationships" xmlns:p="http://schemas.openxmlformats.org/presentationml/2006/main">
+  <p:cSld>
+    <p:spTree>
+      <p:nvGrpSpPr>
+        <p:cNvPr id="1" name=""/>
+        <p:cNvGrpSpPr/>
+        <p:nvPr/>
+      </p:nvGrpSpPr>
+      <p:grpSpPr>
+        <a:xfrm>
+          <a:off x="0" y="0"/>
+          <a:ext cx="0" cy="0"/>
+          <a:chOff x="0" y="0"/>
+          <a:chExt cx="0" cy="0"/>
+        </a:xfrm>
+      </p:grpSpPr>
+      <p:sp>
+        <p:nvSpPr>
+          <p:cNvPr id="2" name="幻灯片图像占位符 1"/>
+          <p:cNvSpPr>
+            <a:spLocks noGrp="1" noRot="1" noChangeAspect="1"/>
+          </p:cNvSpPr>
+          <p:nvPr>
+            <p:ph type="sldImg"/>
+          </p:nvPr>
+        </p:nvSpPr>
+        <p:spPr/>
+      </p:sp>
+      <p:sp>
+        <p:nvSpPr>
+          <p:cNvPr id="3" name="备注占位符 2"/>
+          <p:cNvSpPr>
+            <a:spLocks noGrp="1"/>
+          </p:cNvSpPr>
+          <p:nvPr>
+            <p:ph type="body" idx="1"/>
+          </p:nvPr>
+        </p:nvSpPr>
+        <p:spPr/>
+        <p:txBody>
+          <a:bodyPr/>
+          <a:lstStyle/>
+          <a:p>
+            <a:r>
+              <a:rPr lang="en-US" altLang="zh-CN" dirty="0" err="1" smtClean="0"/>
+              <a:t>Todo</a:t>
+            </a:r>
+            <a:r>
+              <a:rPr lang="en-US" altLang="zh-CN" dirty="0" smtClean="0"/>
+              <a:t>: Immutable.js</a:t>
+            </a:r>
+            <a:r>
+              <a:rPr lang="en-US" altLang="zh-CN" baseline="0" dirty="0" smtClean="0"/>
+              <a:t> </a:t>
+            </a:r>
+            <a:r>
+              <a:rPr lang="zh-CN" altLang="en-US" baseline="0" dirty="0" smtClean="0"/>
+              <a:t>优缺点、使用场景总结</a:t>
+            </a:r>
+            <a:endParaRPr lang="zh-CN" altLang="en-US" dirty="0"/>
+          </a:p>
+        </p:txBody>
+      </p:sp>
+      <p:sp>
+        <p:nvSpPr>
+          <p:cNvPr id="4" name="灯片编号占位符 3"/>
+          <p:cNvSpPr>
+            <a:spLocks noGrp="1"/>
+          </p:cNvSpPr>
+          <p:nvPr>
+            <p:ph type="sldNum" sz="quarter" idx="10"/>
+          </p:nvPr>
+        </p:nvSpPr>
+        <p:spPr/>
+        <p:txBody>
+          <a:bodyPr/>
+          <a:lstStyle/>
+          <a:p>
+            <a:fld id="{A86041C0-71BB-4827-9077-3D63786E6D6E}" type="slidenum">
+              <a:rPr lang="zh-CN" altLang="en-US" smtClean="0"/>
+              <a:t>16</a:t>
+            </a:fld>
+            <a:endParaRPr lang="zh-CN" altLang="en-US"/>
+          </a:p>
+        </p:txBody>
+      </p:sp>
+    </p:spTree>
+    <p:extLst>
+      <p:ext uri="{BB962C8B-B14F-4D97-AF65-F5344CB8AC3E}">
+        <p14:creationId xmlns:p14="http://schemas.microsoft.com/office/powerpoint/2010/main" val="1905422922"/>
+      </p:ext>
+    </p:extLst>
+  </p:cSld>
+  <p:clrMapOvr>
+    <a:masterClrMapping/>
+  </p:clrMapOvr>
+</p:notes>
+</file>
+
+<file path=ppt/notesSlides/notesSlide16.xml><?xml version="1.0" encoding="utf-8"?>
+<p:notes xmlns:a="http://schemas.openxmlformats.org/drawingml/2006/main" xmlns:r="http://schemas.openxmlformats.org/officeDocument/2006/relationships" xmlns:p="http://schemas.openxmlformats.org/presentationml/2006/main">
+  <p:cSld>
+    <p:spTree>
+      <p:nvGrpSpPr>
+        <p:cNvPr id="1" name=""/>
+        <p:cNvGrpSpPr/>
+        <p:nvPr/>
+      </p:nvGrpSpPr>
+      <p:grpSpPr>
+        <a:xfrm>
+          <a:off x="0" y="0"/>
+          <a:ext cx="0" cy="0"/>
+          <a:chOff x="0" y="0"/>
+          <a:chExt cx="0" cy="0"/>
+        </a:xfrm>
+      </p:grpSpPr>
+      <p:sp>
+        <p:nvSpPr>
+          <p:cNvPr id="2" name="幻灯片图像占位符 1"/>
+          <p:cNvSpPr>
+            <a:spLocks noGrp="1" noRot="1" noChangeAspect="1"/>
+          </p:cNvSpPr>
+          <p:nvPr>
+            <p:ph type="sldImg"/>
+          </p:nvPr>
+        </p:nvSpPr>
+        <p:spPr/>
+      </p:sp>
+      <p:sp>
+        <p:nvSpPr>
+          <p:cNvPr id="3" name="备注占位符 2"/>
+          <p:cNvSpPr>
+            <a:spLocks noGrp="1"/>
+          </p:cNvSpPr>
+          <p:nvPr>
+            <p:ph type="body" idx="1"/>
+          </p:nvPr>
+        </p:nvSpPr>
+        <p:spPr/>
+        <p:txBody>
+          <a:bodyPr/>
+          <a:lstStyle/>
+          <a:p>
+            <a:r>
+              <a:rPr lang="en-US" altLang="zh-CN" dirty="0" err="1" smtClean="0"/>
+              <a:t>Todo</a:t>
+            </a:r>
+            <a:r>
+              <a:rPr lang="en-US" altLang="zh-CN" dirty="0" smtClean="0"/>
+              <a:t>: Immutable.js</a:t>
+            </a:r>
+            <a:r>
+              <a:rPr lang="en-US" altLang="zh-CN" baseline="0" dirty="0" smtClean="0"/>
+              <a:t> </a:t>
+            </a:r>
+            <a:r>
+              <a:rPr lang="zh-CN" altLang="en-US" baseline="0" dirty="0" smtClean="0"/>
+              <a:t>优缺点、使用场景总结</a:t>
+            </a:r>
+            <a:endParaRPr lang="zh-CN" altLang="en-US" dirty="0"/>
+          </a:p>
+        </p:txBody>
+      </p:sp>
+      <p:sp>
+        <p:nvSpPr>
+          <p:cNvPr id="4" name="灯片编号占位符 3"/>
+          <p:cNvSpPr>
+            <a:spLocks noGrp="1"/>
+          </p:cNvSpPr>
+          <p:nvPr>
+            <p:ph type="sldNum" sz="quarter" idx="10"/>
+          </p:nvPr>
+        </p:nvSpPr>
+        <p:spPr/>
+        <p:txBody>
+          <a:bodyPr/>
+          <a:lstStyle/>
+          <a:p>
+            <a:fld id="{A86041C0-71BB-4827-9077-3D63786E6D6E}" type="slidenum">
+              <a:rPr lang="zh-CN" altLang="en-US" smtClean="0"/>
+              <a:t>17</a:t>
+            </a:fld>
+            <a:endParaRPr lang="zh-CN" altLang="en-US"/>
+          </a:p>
+        </p:txBody>
+      </p:sp>
+    </p:spTree>
+    <p:extLst>
+      <p:ext uri="{BB962C8B-B14F-4D97-AF65-F5344CB8AC3E}">
+        <p14:creationId xmlns:p14="http://schemas.microsoft.com/office/powerpoint/2010/main" val="2406829"/>
+      </p:ext>
+    </p:extLst>
+  </p:cSld>
+  <p:clrMapOvr>
+    <a:masterClrMapping/>
+  </p:clrMapOvr>
+</p:notes>
+</file>
+
+<file path=ppt/notesSlides/notesSlide17.xml><?xml version="1.0" encoding="utf-8"?>
+<p:notes xmlns:a="http://schemas.openxmlformats.org/drawingml/2006/main" xmlns:r="http://schemas.openxmlformats.org/officeDocument/2006/relationships" xmlns:p="http://schemas.openxmlformats.org/presentationml/2006/main">
+  <p:cSld>
+    <p:spTree>
+      <p:nvGrpSpPr>
+        <p:cNvPr id="1" name=""/>
+        <p:cNvGrpSpPr/>
+        <p:nvPr/>
+      </p:nvGrpSpPr>
+      <p:grpSpPr>
+        <a:xfrm>
+          <a:off x="0" y="0"/>
+          <a:ext cx="0" cy="0"/>
+          <a:chOff x="0" y="0"/>
+          <a:chExt cx="0" cy="0"/>
+        </a:xfrm>
+      </p:grpSpPr>
+      <p:sp>
+        <p:nvSpPr>
+          <p:cNvPr id="2" name="幻灯片图像占位符 1"/>
+          <p:cNvSpPr>
+            <a:spLocks noGrp="1" noRot="1" noChangeAspect="1"/>
+          </p:cNvSpPr>
+          <p:nvPr>
+            <p:ph type="sldImg"/>
+          </p:nvPr>
+        </p:nvSpPr>
+        <p:spPr/>
+      </p:sp>
+      <p:sp>
+        <p:nvSpPr>
+          <p:cNvPr id="3" name="备注占位符 2"/>
+          <p:cNvSpPr>
+            <a:spLocks noGrp="1"/>
+          </p:cNvSpPr>
+          <p:nvPr>
+            <p:ph type="body" idx="1"/>
+          </p:nvPr>
+        </p:nvSpPr>
+        <p:spPr/>
+        <p:txBody>
+          <a:bodyPr/>
+          <a:lstStyle/>
+          <a:p>
+            <a:endParaRPr lang="zh-CN" altLang="en-US" dirty="0"/>
+          </a:p>
+        </p:txBody>
+      </p:sp>
+      <p:sp>
+        <p:nvSpPr>
+          <p:cNvPr id="4" name="灯片编号占位符 3"/>
+          <p:cNvSpPr>
+            <a:spLocks noGrp="1"/>
+          </p:cNvSpPr>
+          <p:nvPr>
+            <p:ph type="sldNum" sz="quarter" idx="10"/>
+          </p:nvPr>
+        </p:nvSpPr>
+        <p:spPr/>
+        <p:txBody>
+          <a:bodyPr/>
+          <a:lstStyle/>
+          <a:p>
+            <a:fld id="{A86041C0-71BB-4827-9077-3D63786E6D6E}" type="slidenum">
+              <a:rPr lang="zh-CN" altLang="en-US" smtClean="0"/>
+              <a:t>18</a:t>
+            </a:fld>
+            <a:endParaRPr lang="zh-CN" altLang="en-US"/>
+          </a:p>
+        </p:txBody>
+      </p:sp>
+    </p:spTree>
+    <p:extLst>
+      <p:ext uri="{BB962C8B-B14F-4D97-AF65-F5344CB8AC3E}">
+        <p14:creationId xmlns:p14="http://schemas.microsoft.com/office/powerpoint/2010/main" val="3290927231"/>
+      </p:ext>
+    </p:extLst>
+  </p:cSld>
+  <p:clrMapOvr>
+    <a:masterClrMapping/>
+  </p:clrMapOvr>
+</p:notes>
+</file>
+
 <file path=ppt/notesSlides/notesSlide2.xml><?xml version="1.0" encoding="utf-8"?>
 <p:notes xmlns:a="http://schemas.openxmlformats.org/drawingml/2006/main" xmlns:r="http://schemas.openxmlformats.org/officeDocument/2006/relationships" xmlns:p="http://schemas.openxmlformats.org/presentationml/2006/main">
   <p:cSld>
@@ -640,7 +1596,7 @@
             </a:pPr>
             <a:r>
               <a:rPr lang="zh-CN" altLang="en-US" dirty="0" smtClean="0"/>
-              <a:t>可变数据的问题</a:t>
+              <a:t>可变数据的问题：可变数据不好回溯它的变化，而不可变数据是在构造完成的那一刻决定</a:t>
             </a:r>
             <a:endParaRPr lang="en-US" altLang="zh-CN" dirty="0" smtClean="0"/>
           </a:p>
@@ -660,6 +1616,12 @@
               <a:rPr lang="zh-CN" altLang="en-US" dirty="0" smtClean="0"/>
               <a:t>一样不可变</a:t>
             </a:r>
+            <a:endParaRPr lang="en-US" altLang="zh-CN" dirty="0" smtClean="0"/>
+          </a:p>
+          <a:p>
+            <a:pPr marL="228600" indent="-228600">
+              <a:buAutoNum type="arabicPeriod"/>
+            </a:pPr>
             <a:endParaRPr lang="en-US" altLang="zh-CN" dirty="0" smtClean="0"/>
           </a:p>
         </p:txBody>
@@ -936,16 +1898,31 @@
           <a:lstStyle/>
           <a:p>
             <a:r>
+              <a:rPr lang="zh-CN" altLang="en-US" dirty="0" smtClean="0"/>
+              <a:t>先看</a:t>
+            </a:r>
+            <a:r>
               <a:rPr lang="en-US" altLang="zh-CN" dirty="0" smtClean="0"/>
               <a:t>Immutable.js</a:t>
             </a:r>
             <a:r>
+              <a:rPr lang="zh-CN" altLang="en-US" dirty="0" smtClean="0"/>
+              <a:t>的不可变数据是怎么使用的</a:t>
+            </a:r>
+            <a:endParaRPr lang="en-US" altLang="zh-CN" baseline="0" dirty="0" smtClean="0"/>
+          </a:p>
+          <a:p>
+            <a:r>
+              <a:rPr lang="zh-CN" altLang="en-US" baseline="0" dirty="0" smtClean="0"/>
+              <a:t>其他</a:t>
+            </a:r>
+            <a:r>
               <a:rPr lang="en-US" altLang="zh-CN" baseline="0" dirty="0" smtClean="0"/>
-              <a:t> </a:t>
+              <a:t>API</a:t>
             </a:r>
             <a:r>
               <a:rPr lang="zh-CN" altLang="en-US" baseline="0" dirty="0" smtClean="0"/>
-              <a:t>代码一览</a:t>
+              <a:t>介绍和使用，看文档</a:t>
             </a:r>
             <a:endParaRPr lang="zh-CN" altLang="en-US" dirty="0"/>
           </a:p>
@@ -1040,8 +2017,22 @@
               <a:t> </a:t>
             </a:r>
             <a:r>
-              <a:rPr lang="zh-CN" altLang="en-US" baseline="0" smtClean="0"/>
+              <a:rPr lang="zh-CN" altLang="en-US" baseline="0" dirty="0" smtClean="0"/>
               <a:t>原理讲解</a:t>
+            </a:r>
+            <a:endParaRPr lang="en-US" altLang="zh-CN" baseline="0" dirty="0" smtClean="0"/>
+          </a:p>
+          <a:p>
+            <a:r>
+              <a:rPr lang="zh-CN" altLang="en-US" baseline="0" dirty="0" smtClean="0"/>
+              <a:t>内部数据的存储结构： 字典树</a:t>
+            </a:r>
+            <a:endParaRPr lang="en-US" altLang="zh-CN" baseline="0" dirty="0" smtClean="0"/>
+          </a:p>
+          <a:p>
+            <a:r>
+              <a:rPr lang="zh-CN" altLang="en-US" baseline="0" dirty="0" smtClean="0"/>
+              <a:t>待补充更详细的讲解</a:t>
             </a:r>
             <a:endParaRPr lang="zh-CN" altLang="en-US" dirty="0"/>
           </a:p>
@@ -1074,6 +2065,286 @@
     <p:extLst>
       <p:ext uri="{BB962C8B-B14F-4D97-AF65-F5344CB8AC3E}">
         <p14:creationId xmlns:p14="http://schemas.microsoft.com/office/powerpoint/2010/main" val="1056498049"/>
+      </p:ext>
+    </p:extLst>
+  </p:cSld>
+  <p:clrMapOvr>
+    <a:masterClrMapping/>
+  </p:clrMapOvr>
+</p:notes>
+</file>
+
+<file path=ppt/notesSlides/notesSlide7.xml><?xml version="1.0" encoding="utf-8"?>
+<p:notes xmlns:a="http://schemas.openxmlformats.org/drawingml/2006/main" xmlns:r="http://schemas.openxmlformats.org/officeDocument/2006/relationships" xmlns:p="http://schemas.openxmlformats.org/presentationml/2006/main">
+  <p:cSld>
+    <p:spTree>
+      <p:nvGrpSpPr>
+        <p:cNvPr id="1" name=""/>
+        <p:cNvGrpSpPr/>
+        <p:nvPr/>
+      </p:nvGrpSpPr>
+      <p:grpSpPr>
+        <a:xfrm>
+          <a:off x="0" y="0"/>
+          <a:ext cx="0" cy="0"/>
+          <a:chOff x="0" y="0"/>
+          <a:chExt cx="0" cy="0"/>
+        </a:xfrm>
+      </p:grpSpPr>
+      <p:sp>
+        <p:nvSpPr>
+          <p:cNvPr id="2" name="幻灯片图像占位符 1"/>
+          <p:cNvSpPr>
+            <a:spLocks noGrp="1" noRot="1" noChangeAspect="1"/>
+          </p:cNvSpPr>
+          <p:nvPr>
+            <p:ph type="sldImg"/>
+          </p:nvPr>
+        </p:nvSpPr>
+        <p:spPr/>
+      </p:sp>
+      <p:sp>
+        <p:nvSpPr>
+          <p:cNvPr id="3" name="备注占位符 2"/>
+          <p:cNvSpPr>
+            <a:spLocks noGrp="1"/>
+          </p:cNvSpPr>
+          <p:nvPr>
+            <p:ph type="body" idx="1"/>
+          </p:nvPr>
+        </p:nvSpPr>
+        <p:spPr/>
+        <p:txBody>
+          <a:bodyPr/>
+          <a:lstStyle/>
+          <a:p>
+            <a:r>
+              <a:rPr lang="zh-CN" altLang="en-US" baseline="0" dirty="0" smtClean="0"/>
+              <a:t>惰性操作</a:t>
+            </a:r>
+            <a:endParaRPr lang="en-US" altLang="zh-CN" baseline="0" dirty="0" smtClean="0"/>
+          </a:p>
+        </p:txBody>
+      </p:sp>
+      <p:sp>
+        <p:nvSpPr>
+          <p:cNvPr id="4" name="灯片编号占位符 3"/>
+          <p:cNvSpPr>
+            <a:spLocks noGrp="1"/>
+          </p:cNvSpPr>
+          <p:nvPr>
+            <p:ph type="sldNum" sz="quarter" idx="10"/>
+          </p:nvPr>
+        </p:nvSpPr>
+        <p:spPr/>
+        <p:txBody>
+          <a:bodyPr/>
+          <a:lstStyle/>
+          <a:p>
+            <a:fld id="{A86041C0-71BB-4827-9077-3D63786E6D6E}" type="slidenum">
+              <a:rPr lang="zh-CN" altLang="en-US" smtClean="0"/>
+              <a:t>8</a:t>
+            </a:fld>
+            <a:endParaRPr lang="zh-CN" altLang="en-US"/>
+          </a:p>
+        </p:txBody>
+      </p:sp>
+    </p:spTree>
+    <p:extLst>
+      <p:ext uri="{BB962C8B-B14F-4D97-AF65-F5344CB8AC3E}">
+        <p14:creationId xmlns:p14="http://schemas.microsoft.com/office/powerpoint/2010/main" val="1236867227"/>
+      </p:ext>
+    </p:extLst>
+  </p:cSld>
+  <p:clrMapOvr>
+    <a:masterClrMapping/>
+  </p:clrMapOvr>
+</p:notes>
+</file>
+
+<file path=ppt/notesSlides/notesSlide8.xml><?xml version="1.0" encoding="utf-8"?>
+<p:notes xmlns:a="http://schemas.openxmlformats.org/drawingml/2006/main" xmlns:r="http://schemas.openxmlformats.org/officeDocument/2006/relationships" xmlns:p="http://schemas.openxmlformats.org/presentationml/2006/main">
+  <p:cSld>
+    <p:spTree>
+      <p:nvGrpSpPr>
+        <p:cNvPr id="1" name=""/>
+        <p:cNvGrpSpPr/>
+        <p:nvPr/>
+      </p:nvGrpSpPr>
+      <p:grpSpPr>
+        <a:xfrm>
+          <a:off x="0" y="0"/>
+          <a:ext cx="0" cy="0"/>
+          <a:chOff x="0" y="0"/>
+          <a:chExt cx="0" cy="0"/>
+        </a:xfrm>
+      </p:grpSpPr>
+      <p:sp>
+        <p:nvSpPr>
+          <p:cNvPr id="2" name="幻灯片图像占位符 1"/>
+          <p:cNvSpPr>
+            <a:spLocks noGrp="1" noRot="1" noChangeAspect="1"/>
+          </p:cNvSpPr>
+          <p:nvPr>
+            <p:ph type="sldImg"/>
+          </p:nvPr>
+        </p:nvSpPr>
+        <p:spPr/>
+      </p:sp>
+      <p:sp>
+        <p:nvSpPr>
+          <p:cNvPr id="3" name="备注占位符 2"/>
+          <p:cNvSpPr>
+            <a:spLocks noGrp="1"/>
+          </p:cNvSpPr>
+          <p:nvPr>
+            <p:ph type="body" idx="1"/>
+          </p:nvPr>
+        </p:nvSpPr>
+        <p:spPr/>
+        <p:txBody>
+          <a:bodyPr/>
+          <a:lstStyle/>
+          <a:p>
+            <a:r>
+              <a:rPr lang="zh-CN" altLang="en-US" dirty="0" smtClean="0"/>
+              <a:t>举例</a:t>
+            </a:r>
+            <a:endParaRPr lang="zh-CN" altLang="en-US" dirty="0"/>
+          </a:p>
+        </p:txBody>
+      </p:sp>
+      <p:sp>
+        <p:nvSpPr>
+          <p:cNvPr id="4" name="灯片编号占位符 3"/>
+          <p:cNvSpPr>
+            <a:spLocks noGrp="1"/>
+          </p:cNvSpPr>
+          <p:nvPr>
+            <p:ph type="sldNum" sz="quarter" idx="10"/>
+          </p:nvPr>
+        </p:nvSpPr>
+        <p:spPr/>
+        <p:txBody>
+          <a:bodyPr/>
+          <a:lstStyle/>
+          <a:p>
+            <a:fld id="{A86041C0-71BB-4827-9077-3D63786E6D6E}" type="slidenum">
+              <a:rPr lang="zh-CN" altLang="en-US" smtClean="0"/>
+              <a:t>9</a:t>
+            </a:fld>
+            <a:endParaRPr lang="zh-CN" altLang="en-US"/>
+          </a:p>
+        </p:txBody>
+      </p:sp>
+    </p:spTree>
+    <p:extLst>
+      <p:ext uri="{BB962C8B-B14F-4D97-AF65-F5344CB8AC3E}">
+        <p14:creationId xmlns:p14="http://schemas.microsoft.com/office/powerpoint/2010/main" val="3093832317"/>
+      </p:ext>
+    </p:extLst>
+  </p:cSld>
+  <p:clrMapOvr>
+    <a:masterClrMapping/>
+  </p:clrMapOvr>
+</p:notes>
+</file>
+
+<file path=ppt/notesSlides/notesSlide9.xml><?xml version="1.0" encoding="utf-8"?>
+<p:notes xmlns:a="http://schemas.openxmlformats.org/drawingml/2006/main" xmlns:r="http://schemas.openxmlformats.org/officeDocument/2006/relationships" xmlns:p="http://schemas.openxmlformats.org/presentationml/2006/main">
+  <p:cSld>
+    <p:spTree>
+      <p:nvGrpSpPr>
+        <p:cNvPr id="1" name=""/>
+        <p:cNvGrpSpPr/>
+        <p:nvPr/>
+      </p:nvGrpSpPr>
+      <p:grpSpPr>
+        <a:xfrm>
+          <a:off x="0" y="0"/>
+          <a:ext cx="0" cy="0"/>
+          <a:chOff x="0" y="0"/>
+          <a:chExt cx="0" cy="0"/>
+        </a:xfrm>
+      </p:grpSpPr>
+      <p:sp>
+        <p:nvSpPr>
+          <p:cNvPr id="2" name="幻灯片图像占位符 1"/>
+          <p:cNvSpPr>
+            <a:spLocks noGrp="1" noRot="1" noChangeAspect="1"/>
+          </p:cNvSpPr>
+          <p:nvPr>
+            <p:ph type="sldImg"/>
+          </p:nvPr>
+        </p:nvSpPr>
+        <p:spPr/>
+      </p:sp>
+      <p:sp>
+        <p:nvSpPr>
+          <p:cNvPr id="3" name="备注占位符 2"/>
+          <p:cNvSpPr>
+            <a:spLocks noGrp="1"/>
+          </p:cNvSpPr>
+          <p:nvPr>
+            <p:ph type="body" idx="1"/>
+          </p:nvPr>
+        </p:nvSpPr>
+        <p:spPr/>
+        <p:txBody>
+          <a:bodyPr/>
+          <a:lstStyle/>
+          <a:p>
+            <a:r>
+              <a:rPr lang="zh-CN" altLang="en-US" dirty="0" smtClean="0"/>
+              <a:t>首先是</a:t>
+            </a:r>
+            <a:r>
+              <a:rPr lang="en-US" altLang="zh-CN" dirty="0" smtClean="0"/>
+              <a:t>reducer</a:t>
+            </a:r>
+            <a:r>
+              <a:rPr lang="zh-CN" altLang="en-US" dirty="0" smtClean="0"/>
+              <a:t>中的初始状态，必须改为</a:t>
+            </a:r>
+            <a:r>
+              <a:rPr lang="en-US" altLang="zh-CN" dirty="0" smtClean="0"/>
+              <a:t>Immutable</a:t>
+            </a:r>
+            <a:r>
+              <a:rPr lang="zh-CN" altLang="en-US" dirty="0" smtClean="0"/>
+              <a:t>的数据结构</a:t>
+            </a:r>
+            <a:endParaRPr lang="zh-CN" altLang="en-US" dirty="0"/>
+          </a:p>
+        </p:txBody>
+      </p:sp>
+      <p:sp>
+        <p:nvSpPr>
+          <p:cNvPr id="4" name="灯片编号占位符 3"/>
+          <p:cNvSpPr>
+            <a:spLocks noGrp="1"/>
+          </p:cNvSpPr>
+          <p:nvPr>
+            <p:ph type="sldNum" sz="quarter" idx="10"/>
+          </p:nvPr>
+        </p:nvSpPr>
+        <p:spPr/>
+        <p:txBody>
+          <a:bodyPr/>
+          <a:lstStyle/>
+          <a:p>
+            <a:fld id="{A86041C0-71BB-4827-9077-3D63786E6D6E}" type="slidenum">
+              <a:rPr lang="zh-CN" altLang="en-US" smtClean="0"/>
+              <a:t>10</a:t>
+            </a:fld>
+            <a:endParaRPr lang="zh-CN" altLang="en-US"/>
+          </a:p>
+        </p:txBody>
+      </p:sp>
+    </p:spTree>
+    <p:extLst>
+      <p:ext uri="{BB962C8B-B14F-4D97-AF65-F5344CB8AC3E}">
+        <p14:creationId xmlns:p14="http://schemas.microsoft.com/office/powerpoint/2010/main" val="2913484216"/>
       </p:ext>
     </p:extLst>
   </p:cSld>
@@ -1214,7 +2485,7 @@
           <a:p>
             <a:fld id="{5B6AE5F5-2E5A-490F-AD89-6F75261854A5}" type="datetimeFigureOut">
               <a:rPr lang="zh-CN" altLang="en-US" smtClean="0"/>
-              <a:t>2017/9/3 Sunday</a:t>
+              <a:t>2017/9/5 Tuesday</a:t>
             </a:fld>
             <a:endParaRPr lang="zh-CN" altLang="en-US"/>
           </a:p>
@@ -1384,7 +2655,7 @@
           <a:p>
             <a:fld id="{5B6AE5F5-2E5A-490F-AD89-6F75261854A5}" type="datetimeFigureOut">
               <a:rPr lang="zh-CN" altLang="en-US" smtClean="0"/>
-              <a:t>2017/9/3 Sunday</a:t>
+              <a:t>2017/9/5 Tuesday</a:t>
             </a:fld>
             <a:endParaRPr lang="zh-CN" altLang="en-US"/>
           </a:p>
@@ -1564,7 +2835,7 @@
           <a:p>
             <a:fld id="{5B6AE5F5-2E5A-490F-AD89-6F75261854A5}" type="datetimeFigureOut">
               <a:rPr lang="zh-CN" altLang="en-US" smtClean="0"/>
-              <a:t>2017/9/3 Sunday</a:t>
+              <a:t>2017/9/5 Tuesday</a:t>
             </a:fld>
             <a:endParaRPr lang="zh-CN" altLang="en-US"/>
           </a:p>
@@ -1734,7 +3005,7 @@
           <a:p>
             <a:fld id="{5B6AE5F5-2E5A-490F-AD89-6F75261854A5}" type="datetimeFigureOut">
               <a:rPr lang="zh-CN" altLang="en-US" smtClean="0"/>
-              <a:t>2017/9/3 Sunday</a:t>
+              <a:t>2017/9/5 Tuesday</a:t>
             </a:fld>
             <a:endParaRPr lang="zh-CN" altLang="en-US"/>
           </a:p>
@@ -1980,7 +3251,7 @@
           <a:p>
             <a:fld id="{5B6AE5F5-2E5A-490F-AD89-6F75261854A5}" type="datetimeFigureOut">
               <a:rPr lang="zh-CN" altLang="en-US" smtClean="0"/>
-              <a:t>2017/9/3 Sunday</a:t>
+              <a:t>2017/9/5 Tuesday</a:t>
             </a:fld>
             <a:endParaRPr lang="zh-CN" altLang="en-US"/>
           </a:p>
@@ -2212,7 +3483,7 @@
           <a:p>
             <a:fld id="{5B6AE5F5-2E5A-490F-AD89-6F75261854A5}" type="datetimeFigureOut">
               <a:rPr lang="zh-CN" altLang="en-US" smtClean="0"/>
-              <a:t>2017/9/3 Sunday</a:t>
+              <a:t>2017/9/5 Tuesday</a:t>
             </a:fld>
             <a:endParaRPr lang="zh-CN" altLang="en-US"/>
           </a:p>
@@ -2579,7 +3850,7 @@
           <a:p>
             <a:fld id="{5B6AE5F5-2E5A-490F-AD89-6F75261854A5}" type="datetimeFigureOut">
               <a:rPr lang="zh-CN" altLang="en-US" smtClean="0"/>
-              <a:t>2017/9/3 Sunday</a:t>
+              <a:t>2017/9/5 Tuesday</a:t>
             </a:fld>
             <a:endParaRPr lang="zh-CN" altLang="en-US"/>
           </a:p>
@@ -2697,7 +3968,7 @@
           <a:p>
             <a:fld id="{5B6AE5F5-2E5A-490F-AD89-6F75261854A5}" type="datetimeFigureOut">
               <a:rPr lang="zh-CN" altLang="en-US" smtClean="0"/>
-              <a:t>2017/9/3 Sunday</a:t>
+              <a:t>2017/9/5 Tuesday</a:t>
             </a:fld>
             <a:endParaRPr lang="zh-CN" altLang="en-US"/>
           </a:p>
@@ -2792,7 +4063,7 @@
           <a:p>
             <a:fld id="{5B6AE5F5-2E5A-490F-AD89-6F75261854A5}" type="datetimeFigureOut">
               <a:rPr lang="zh-CN" altLang="en-US" smtClean="0"/>
-              <a:t>2017/9/3 Sunday</a:t>
+              <a:t>2017/9/5 Tuesday</a:t>
             </a:fld>
             <a:endParaRPr lang="zh-CN" altLang="en-US"/>
           </a:p>
@@ -3069,7 +4340,7 @@
           <a:p>
             <a:fld id="{5B6AE5F5-2E5A-490F-AD89-6F75261854A5}" type="datetimeFigureOut">
               <a:rPr lang="zh-CN" altLang="en-US" smtClean="0"/>
-              <a:t>2017/9/3 Sunday</a:t>
+              <a:t>2017/9/5 Tuesday</a:t>
             </a:fld>
             <a:endParaRPr lang="zh-CN" altLang="en-US"/>
           </a:p>
@@ -3326,7 +4597,7 @@
           <a:p>
             <a:fld id="{5B6AE5F5-2E5A-490F-AD89-6F75261854A5}" type="datetimeFigureOut">
               <a:rPr lang="zh-CN" altLang="en-US" smtClean="0"/>
-              <a:t>2017/9/3 Sunday</a:t>
+              <a:t>2017/9/5 Tuesday</a:t>
             </a:fld>
             <a:endParaRPr lang="zh-CN" altLang="en-US"/>
           </a:p>
@@ -3539,7 +4810,7 @@
           <a:p>
             <a:fld id="{5B6AE5F5-2E5A-490F-AD89-6F75261854A5}" type="datetimeFigureOut">
               <a:rPr lang="zh-CN" altLang="en-US" smtClean="0"/>
-              <a:t>2017/9/3 Sunday</a:t>
+              <a:t>2017/9/5 Tuesday</a:t>
             </a:fld>
             <a:endParaRPr lang="zh-CN" altLang="en-US"/>
           </a:p>
@@ -4053,6 +5324,1084 @@
 </p:sld>
 </file>
 
+<file path=ppt/slides/slide10.xml><?xml version="1.0" encoding="utf-8"?>
+<p:sld xmlns:a="http://schemas.openxmlformats.org/drawingml/2006/main" xmlns:r="http://schemas.openxmlformats.org/officeDocument/2006/relationships" xmlns:p="http://schemas.openxmlformats.org/presentationml/2006/main">
+  <p:cSld>
+    <p:spTree>
+      <p:nvGrpSpPr>
+        <p:cNvPr id="1" name=""/>
+        <p:cNvGrpSpPr/>
+        <p:nvPr/>
+      </p:nvGrpSpPr>
+      <p:grpSpPr>
+        <a:xfrm>
+          <a:off x="0" y="0"/>
+          <a:ext cx="0" cy="0"/>
+          <a:chOff x="0" y="0"/>
+          <a:chExt cx="0" cy="0"/>
+        </a:xfrm>
+      </p:grpSpPr>
+      <p:pic>
+        <p:nvPicPr>
+          <p:cNvPr id="3" name="图片 2"/>
+          <p:cNvPicPr>
+            <a:picLocks noChangeAspect="1"/>
+          </p:cNvPicPr>
+          <p:nvPr/>
+        </p:nvPicPr>
+        <p:blipFill>
+          <a:blip r:embed="rId3">
+            <a:extLst>
+              <a:ext uri="{28A0092B-C50C-407E-A947-70E740481C1C}">
+                <a14:useLocalDpi xmlns:a14="http://schemas.microsoft.com/office/drawing/2010/main" val="0"/>
+              </a:ext>
+            </a:extLst>
+          </a:blip>
+          <a:stretch>
+            <a:fillRect/>
+          </a:stretch>
+        </p:blipFill>
+        <p:spPr>
+          <a:xfrm>
+            <a:off x="231964" y="422223"/>
+            <a:ext cx="11765017" cy="5973009"/>
+          </a:xfrm>
+          <a:prstGeom prst="rect">
+            <a:avLst/>
+          </a:prstGeom>
+        </p:spPr>
+      </p:pic>
+      <p:sp>
+        <p:nvSpPr>
+          <p:cNvPr id="2" name="文本框 1"/>
+          <p:cNvSpPr txBox="1"/>
+          <p:nvPr/>
+        </p:nvSpPr>
+        <p:spPr>
+          <a:xfrm>
+            <a:off x="7887853" y="486954"/>
+            <a:ext cx="2384307" cy="461665"/>
+          </a:xfrm>
+          <a:prstGeom prst="rect">
+            <a:avLst/>
+          </a:prstGeom>
+          <a:solidFill>
+            <a:schemeClr val="bg1">
+              <a:lumMod val="85000"/>
+              <a:lumOff val="15000"/>
+            </a:schemeClr>
+          </a:solidFill>
+        </p:spPr>
+        <p:txBody>
+          <a:bodyPr wrap="none" rtlCol="0">
+            <a:spAutoFit/>
+          </a:bodyPr>
+          <a:lstStyle/>
+          <a:p>
+            <a:r>
+              <a:rPr lang="en-US" altLang="zh-CN" sz="2400" dirty="0" smtClean="0"/>
+              <a:t>store - </a:t>
+            </a:r>
+            <a:r>
+              <a:rPr lang="en-US" altLang="zh-CN" sz="2400" dirty="0" err="1" smtClean="0"/>
+              <a:t>initialState</a:t>
+            </a:r>
+            <a:endParaRPr lang="zh-CN" altLang="en-US" sz="2400" dirty="0"/>
+          </a:p>
+        </p:txBody>
+      </p:sp>
+    </p:spTree>
+    <p:extLst>
+      <p:ext uri="{BB962C8B-B14F-4D97-AF65-F5344CB8AC3E}">
+        <p14:creationId xmlns:p14="http://schemas.microsoft.com/office/powerpoint/2010/main" val="4192765476"/>
+      </p:ext>
+    </p:extLst>
+  </p:cSld>
+  <p:clrMapOvr>
+    <a:masterClrMapping/>
+  </p:clrMapOvr>
+  <p:timing>
+    <p:tnLst>
+      <p:par>
+        <p:cTn id="1" dur="indefinite" restart="never" nodeType="tmRoot"/>
+      </p:par>
+    </p:tnLst>
+  </p:timing>
+</p:sld>
+</file>
+
+<file path=ppt/slides/slide11.xml><?xml version="1.0" encoding="utf-8"?>
+<p:sld xmlns:a="http://schemas.openxmlformats.org/drawingml/2006/main" xmlns:r="http://schemas.openxmlformats.org/officeDocument/2006/relationships" xmlns:p="http://schemas.openxmlformats.org/presentationml/2006/main">
+  <p:cSld>
+    <p:spTree>
+      <p:nvGrpSpPr>
+        <p:cNvPr id="1" name=""/>
+        <p:cNvGrpSpPr/>
+        <p:nvPr/>
+      </p:nvGrpSpPr>
+      <p:grpSpPr>
+        <a:xfrm>
+          <a:off x="0" y="0"/>
+          <a:ext cx="0" cy="0"/>
+          <a:chOff x="0" y="0"/>
+          <a:chExt cx="0" cy="0"/>
+        </a:xfrm>
+      </p:grpSpPr>
+      <p:sp>
+        <p:nvSpPr>
+          <p:cNvPr id="2" name="文本框 1"/>
+          <p:cNvSpPr txBox="1"/>
+          <p:nvPr/>
+        </p:nvSpPr>
+        <p:spPr>
+          <a:xfrm>
+            <a:off x="733631" y="89867"/>
+            <a:ext cx="3988977" cy="461665"/>
+          </a:xfrm>
+          <a:prstGeom prst="rect">
+            <a:avLst/>
+          </a:prstGeom>
+          <a:noFill/>
+        </p:spPr>
+        <p:txBody>
+          <a:bodyPr wrap="none" rtlCol="0">
+            <a:spAutoFit/>
+          </a:bodyPr>
+          <a:lstStyle/>
+          <a:p>
+            <a:r>
+              <a:rPr lang="en-US" altLang="zh-CN" sz="2400" dirty="0" smtClean="0"/>
+              <a:t>Reducers/todos.js - </a:t>
+            </a:r>
+            <a:r>
+              <a:rPr lang="en-US" altLang="zh-CN" sz="2400" dirty="0" err="1" smtClean="0"/>
+              <a:t>initialState</a:t>
+            </a:r>
+            <a:endParaRPr lang="zh-CN" altLang="en-US" sz="2400" dirty="0"/>
+          </a:p>
+        </p:txBody>
+      </p:sp>
+      <p:pic>
+        <p:nvPicPr>
+          <p:cNvPr id="4" name="图片 3"/>
+          <p:cNvPicPr>
+            <a:picLocks noChangeAspect="1"/>
+          </p:cNvPicPr>
+          <p:nvPr/>
+        </p:nvPicPr>
+        <p:blipFill>
+          <a:blip r:embed="rId3">
+            <a:extLst>
+              <a:ext uri="{28A0092B-C50C-407E-A947-70E740481C1C}">
+                <a14:useLocalDpi xmlns:a14="http://schemas.microsoft.com/office/drawing/2010/main" val="0"/>
+              </a:ext>
+            </a:extLst>
+          </a:blip>
+          <a:stretch>
+            <a:fillRect/>
+          </a:stretch>
+        </p:blipFill>
+        <p:spPr>
+          <a:xfrm>
+            <a:off x="219704" y="89867"/>
+            <a:ext cx="11660227" cy="6649378"/>
+          </a:xfrm>
+          <a:prstGeom prst="rect">
+            <a:avLst/>
+          </a:prstGeom>
+        </p:spPr>
+      </p:pic>
+      <p:sp>
+        <p:nvSpPr>
+          <p:cNvPr id="5" name="文本框 4"/>
+          <p:cNvSpPr txBox="1"/>
+          <p:nvPr/>
+        </p:nvSpPr>
+        <p:spPr>
+          <a:xfrm>
+            <a:off x="8044211" y="163681"/>
+            <a:ext cx="3703450" cy="461665"/>
+          </a:xfrm>
+          <a:prstGeom prst="rect">
+            <a:avLst/>
+          </a:prstGeom>
+          <a:solidFill>
+            <a:schemeClr val="bg1">
+              <a:lumMod val="85000"/>
+              <a:lumOff val="15000"/>
+            </a:schemeClr>
+          </a:solidFill>
+        </p:spPr>
+        <p:txBody>
+          <a:bodyPr wrap="none" rtlCol="0">
+            <a:spAutoFit/>
+          </a:bodyPr>
+          <a:lstStyle/>
+          <a:p>
+            <a:r>
+              <a:rPr lang="en-US" altLang="zh-CN" sz="2400" dirty="0" smtClean="0"/>
+              <a:t>ADD_TODO / DELETE_TODO</a:t>
+            </a:r>
+            <a:endParaRPr lang="zh-CN" altLang="en-US" sz="2400" dirty="0"/>
+          </a:p>
+        </p:txBody>
+      </p:sp>
+    </p:spTree>
+    <p:extLst>
+      <p:ext uri="{BB962C8B-B14F-4D97-AF65-F5344CB8AC3E}">
+        <p14:creationId xmlns:p14="http://schemas.microsoft.com/office/powerpoint/2010/main" val="2064801694"/>
+      </p:ext>
+    </p:extLst>
+  </p:cSld>
+  <p:clrMapOvr>
+    <a:masterClrMapping/>
+  </p:clrMapOvr>
+  <p:timing>
+    <p:tnLst>
+      <p:par>
+        <p:cTn id="1" dur="indefinite" restart="never" nodeType="tmRoot"/>
+      </p:par>
+    </p:tnLst>
+  </p:timing>
+</p:sld>
+</file>
+
+<file path=ppt/slides/slide12.xml><?xml version="1.0" encoding="utf-8"?>
+<p:sld xmlns:a="http://schemas.openxmlformats.org/drawingml/2006/main" xmlns:r="http://schemas.openxmlformats.org/officeDocument/2006/relationships" xmlns:p="http://schemas.openxmlformats.org/presentationml/2006/main">
+  <p:cSld>
+    <p:spTree>
+      <p:nvGrpSpPr>
+        <p:cNvPr id="1" name=""/>
+        <p:cNvGrpSpPr/>
+        <p:nvPr/>
+      </p:nvGrpSpPr>
+      <p:grpSpPr>
+        <a:xfrm>
+          <a:off x="0" y="0"/>
+          <a:ext cx="0" cy="0"/>
+          <a:chOff x="0" y="0"/>
+          <a:chExt cx="0" cy="0"/>
+        </a:xfrm>
+      </p:grpSpPr>
+      <p:pic>
+        <p:nvPicPr>
+          <p:cNvPr id="3" name="图片 2"/>
+          <p:cNvPicPr>
+            <a:picLocks noChangeAspect="1"/>
+          </p:cNvPicPr>
+          <p:nvPr/>
+        </p:nvPicPr>
+        <p:blipFill>
+          <a:blip r:embed="rId3">
+            <a:extLst>
+              <a:ext uri="{28A0092B-C50C-407E-A947-70E740481C1C}">
+                <a14:useLocalDpi xmlns:a14="http://schemas.microsoft.com/office/drawing/2010/main" val="0"/>
+              </a:ext>
+            </a:extLst>
+          </a:blip>
+          <a:stretch>
+            <a:fillRect/>
+          </a:stretch>
+        </p:blipFill>
+        <p:spPr>
+          <a:xfrm>
+            <a:off x="209017" y="197676"/>
+            <a:ext cx="11755491" cy="2638793"/>
+          </a:xfrm>
+          <a:prstGeom prst="rect">
+            <a:avLst/>
+          </a:prstGeom>
+        </p:spPr>
+      </p:pic>
+      <p:sp>
+        <p:nvSpPr>
+          <p:cNvPr id="2" name="文本框 1"/>
+          <p:cNvSpPr txBox="1"/>
+          <p:nvPr/>
+        </p:nvSpPr>
+        <p:spPr>
+          <a:xfrm>
+            <a:off x="9425049" y="306747"/>
+            <a:ext cx="2412455" cy="461665"/>
+          </a:xfrm>
+          <a:prstGeom prst="rect">
+            <a:avLst/>
+          </a:prstGeom>
+          <a:solidFill>
+            <a:schemeClr val="bg1">
+              <a:lumMod val="85000"/>
+              <a:lumOff val="15000"/>
+            </a:schemeClr>
+          </a:solidFill>
+        </p:spPr>
+        <p:txBody>
+          <a:bodyPr wrap="none" rtlCol="0">
+            <a:spAutoFit/>
+          </a:bodyPr>
+          <a:lstStyle/>
+          <a:p>
+            <a:r>
+              <a:rPr lang="en-US" altLang="zh-CN" sz="2400" dirty="0" err="1" smtClean="0"/>
+              <a:t>combineReducers</a:t>
+            </a:r>
+            <a:endParaRPr lang="zh-CN" altLang="en-US" sz="2400" dirty="0"/>
+          </a:p>
+        </p:txBody>
+      </p:sp>
+      <p:pic>
+        <p:nvPicPr>
+          <p:cNvPr id="7" name="图片 6"/>
+          <p:cNvPicPr>
+            <a:picLocks noChangeAspect="1"/>
+          </p:cNvPicPr>
+          <p:nvPr/>
+        </p:nvPicPr>
+        <p:blipFill>
+          <a:blip r:embed="rId4">
+            <a:extLst>
+              <a:ext uri="{28A0092B-C50C-407E-A947-70E740481C1C}">
+                <a14:useLocalDpi xmlns:a14="http://schemas.microsoft.com/office/drawing/2010/main" val="0"/>
+              </a:ext>
+            </a:extLst>
+          </a:blip>
+          <a:stretch>
+            <a:fillRect/>
+          </a:stretch>
+        </p:blipFill>
+        <p:spPr>
+          <a:xfrm>
+            <a:off x="0" y="3221113"/>
+            <a:ext cx="6157489" cy="3509208"/>
+          </a:xfrm>
+          <a:prstGeom prst="rect">
+            <a:avLst/>
+          </a:prstGeom>
+        </p:spPr>
+      </p:pic>
+      <p:pic>
+        <p:nvPicPr>
+          <p:cNvPr id="8" name="图片 7"/>
+          <p:cNvPicPr>
+            <a:picLocks noChangeAspect="1"/>
+          </p:cNvPicPr>
+          <p:nvPr/>
+        </p:nvPicPr>
+        <p:blipFill>
+          <a:blip r:embed="rId5">
+            <a:extLst>
+              <a:ext uri="{28A0092B-C50C-407E-A947-70E740481C1C}">
+                <a14:useLocalDpi xmlns:a14="http://schemas.microsoft.com/office/drawing/2010/main" val="0"/>
+              </a:ext>
+            </a:extLst>
+          </a:blip>
+          <a:stretch>
+            <a:fillRect/>
+          </a:stretch>
+        </p:blipFill>
+        <p:spPr>
+          <a:xfrm>
+            <a:off x="6334023" y="3221113"/>
+            <a:ext cx="5857977" cy="2802860"/>
+          </a:xfrm>
+          <a:prstGeom prst="rect">
+            <a:avLst/>
+          </a:prstGeom>
+        </p:spPr>
+      </p:pic>
+      <p:sp>
+        <p:nvSpPr>
+          <p:cNvPr id="9" name="文本框 8"/>
+          <p:cNvSpPr txBox="1"/>
+          <p:nvPr/>
+        </p:nvSpPr>
+        <p:spPr>
+          <a:xfrm>
+            <a:off x="5437227" y="6360989"/>
+            <a:ext cx="720262" cy="369332"/>
+          </a:xfrm>
+          <a:prstGeom prst="rect">
+            <a:avLst/>
+          </a:prstGeom>
+          <a:solidFill>
+            <a:schemeClr val="bg1">
+              <a:lumMod val="85000"/>
+              <a:lumOff val="15000"/>
+            </a:schemeClr>
+          </a:solidFill>
+        </p:spPr>
+        <p:txBody>
+          <a:bodyPr wrap="none" rtlCol="0">
+            <a:spAutoFit/>
+          </a:bodyPr>
+          <a:lstStyle/>
+          <a:p>
+            <a:r>
+              <a:rPr lang="en-US" altLang="zh-CN" dirty="0" smtClean="0"/>
+              <a:t>redux</a:t>
+            </a:r>
+          </a:p>
+        </p:txBody>
+      </p:sp>
+      <p:sp>
+        <p:nvSpPr>
+          <p:cNvPr id="10" name="文本框 9"/>
+          <p:cNvSpPr txBox="1"/>
+          <p:nvPr/>
+        </p:nvSpPr>
+        <p:spPr>
+          <a:xfrm>
+            <a:off x="10386332" y="5654641"/>
+            <a:ext cx="1809085" cy="369332"/>
+          </a:xfrm>
+          <a:prstGeom prst="rect">
+            <a:avLst/>
+          </a:prstGeom>
+          <a:solidFill>
+            <a:schemeClr val="bg1">
+              <a:lumMod val="85000"/>
+              <a:lumOff val="15000"/>
+            </a:schemeClr>
+          </a:solidFill>
+        </p:spPr>
+        <p:txBody>
+          <a:bodyPr wrap="none" rtlCol="0">
+            <a:spAutoFit/>
+          </a:bodyPr>
+          <a:lstStyle/>
+          <a:p>
+            <a:r>
+              <a:rPr lang="en-US" altLang="zh-CN" dirty="0"/>
+              <a:t>r</a:t>
+            </a:r>
+            <a:r>
+              <a:rPr lang="en-US" altLang="zh-CN" dirty="0" smtClean="0"/>
+              <a:t>edux-immutable</a:t>
+            </a:r>
+          </a:p>
+        </p:txBody>
+      </p:sp>
+      <p:sp>
+        <p:nvSpPr>
+          <p:cNvPr id="11" name="矩形 10"/>
+          <p:cNvSpPr/>
+          <p:nvPr/>
+        </p:nvSpPr>
+        <p:spPr>
+          <a:xfrm>
+            <a:off x="932873" y="5560291"/>
+            <a:ext cx="2669309" cy="279016"/>
+          </a:xfrm>
+          <a:prstGeom prst="rect">
+            <a:avLst/>
+          </a:prstGeom>
+          <a:noFill/>
+          <a:ln>
+            <a:solidFill>
+              <a:srgbClr val="FF0000"/>
+            </a:solidFill>
+          </a:ln>
+        </p:spPr>
+        <p:style>
+          <a:lnRef idx="2">
+            <a:schemeClr val="accent1">
+              <a:shade val="50000"/>
+            </a:schemeClr>
+          </a:lnRef>
+          <a:fillRef idx="1">
+            <a:schemeClr val="accent1"/>
+          </a:fillRef>
+          <a:effectRef idx="0">
+            <a:schemeClr val="accent1"/>
+          </a:effectRef>
+          <a:fontRef idx="minor">
+            <a:schemeClr val="lt1"/>
+          </a:fontRef>
+        </p:style>
+        <p:txBody>
+          <a:bodyPr rtlCol="0" anchor="ctr"/>
+          <a:lstStyle/>
+          <a:p>
+            <a:pPr algn="ctr"/>
+            <a:endParaRPr lang="zh-CN" altLang="en-US"/>
+          </a:p>
+        </p:txBody>
+      </p:sp>
+      <p:sp>
+        <p:nvSpPr>
+          <p:cNvPr id="12" name="矩形 11"/>
+          <p:cNvSpPr/>
+          <p:nvPr/>
+        </p:nvSpPr>
+        <p:spPr>
+          <a:xfrm>
+            <a:off x="7504545" y="5281275"/>
+            <a:ext cx="3846946" cy="279016"/>
+          </a:xfrm>
+          <a:prstGeom prst="rect">
+            <a:avLst/>
+          </a:prstGeom>
+          <a:noFill/>
+          <a:ln>
+            <a:solidFill>
+              <a:srgbClr val="FF0000"/>
+            </a:solidFill>
+          </a:ln>
+        </p:spPr>
+        <p:style>
+          <a:lnRef idx="2">
+            <a:schemeClr val="accent1">
+              <a:shade val="50000"/>
+            </a:schemeClr>
+          </a:lnRef>
+          <a:fillRef idx="1">
+            <a:schemeClr val="accent1"/>
+          </a:fillRef>
+          <a:effectRef idx="0">
+            <a:schemeClr val="accent1"/>
+          </a:effectRef>
+          <a:fontRef idx="minor">
+            <a:schemeClr val="lt1"/>
+          </a:fontRef>
+        </p:style>
+        <p:txBody>
+          <a:bodyPr rtlCol="0" anchor="ctr"/>
+          <a:lstStyle/>
+          <a:p>
+            <a:pPr algn="ctr"/>
+            <a:endParaRPr lang="zh-CN" altLang="en-US"/>
+          </a:p>
+        </p:txBody>
+      </p:sp>
+    </p:spTree>
+    <p:extLst>
+      <p:ext uri="{BB962C8B-B14F-4D97-AF65-F5344CB8AC3E}">
+        <p14:creationId xmlns:p14="http://schemas.microsoft.com/office/powerpoint/2010/main" val="3929270945"/>
+      </p:ext>
+    </p:extLst>
+  </p:cSld>
+  <p:clrMapOvr>
+    <a:masterClrMapping/>
+  </p:clrMapOvr>
+  <p:timing>
+    <p:tnLst>
+      <p:par>
+        <p:cTn id="1" dur="indefinite" restart="never" nodeType="tmRoot"/>
+      </p:par>
+    </p:tnLst>
+  </p:timing>
+</p:sld>
+</file>
+
+<file path=ppt/slides/slide13.xml><?xml version="1.0" encoding="utf-8"?>
+<p:sld xmlns:a="http://schemas.openxmlformats.org/drawingml/2006/main" xmlns:r="http://schemas.openxmlformats.org/officeDocument/2006/relationships" xmlns:p="http://schemas.openxmlformats.org/presentationml/2006/main">
+  <p:cSld>
+    <p:spTree>
+      <p:nvGrpSpPr>
+        <p:cNvPr id="1" name=""/>
+        <p:cNvGrpSpPr/>
+        <p:nvPr/>
+      </p:nvGrpSpPr>
+      <p:grpSpPr>
+        <a:xfrm>
+          <a:off x="0" y="0"/>
+          <a:ext cx="0" cy="0"/>
+          <a:chOff x="0" y="0"/>
+          <a:chExt cx="0" cy="0"/>
+        </a:xfrm>
+      </p:grpSpPr>
+      <p:pic>
+        <p:nvPicPr>
+          <p:cNvPr id="3" name="图片 2"/>
+          <p:cNvPicPr>
+            <a:picLocks noChangeAspect="1"/>
+          </p:cNvPicPr>
+          <p:nvPr/>
+        </p:nvPicPr>
+        <p:blipFill>
+          <a:blip r:embed="rId3">
+            <a:extLst>
+              <a:ext uri="{28A0092B-C50C-407E-A947-70E740481C1C}">
+                <a14:useLocalDpi xmlns:a14="http://schemas.microsoft.com/office/drawing/2010/main" val="0"/>
+              </a:ext>
+            </a:extLst>
+          </a:blip>
+          <a:stretch>
+            <a:fillRect/>
+          </a:stretch>
+        </p:blipFill>
+        <p:spPr>
+          <a:xfrm>
+            <a:off x="696685" y="0"/>
+            <a:ext cx="10889512" cy="6858000"/>
+          </a:xfrm>
+          <a:prstGeom prst="rect">
+            <a:avLst/>
+          </a:prstGeom>
+        </p:spPr>
+      </p:pic>
+      <p:sp>
+        <p:nvSpPr>
+          <p:cNvPr id="5" name="文本框 4"/>
+          <p:cNvSpPr txBox="1"/>
+          <p:nvPr/>
+        </p:nvSpPr>
+        <p:spPr>
+          <a:xfrm>
+            <a:off x="8912429" y="108338"/>
+            <a:ext cx="2597378" cy="461665"/>
+          </a:xfrm>
+          <a:prstGeom prst="rect">
+            <a:avLst/>
+          </a:prstGeom>
+          <a:solidFill>
+            <a:schemeClr val="bg1">
+              <a:lumMod val="85000"/>
+              <a:lumOff val="15000"/>
+            </a:schemeClr>
+          </a:solidFill>
+        </p:spPr>
+        <p:txBody>
+          <a:bodyPr wrap="none" rtlCol="0">
+            <a:spAutoFit/>
+          </a:bodyPr>
+          <a:lstStyle/>
+          <a:p>
+            <a:r>
+              <a:rPr lang="en-US" altLang="zh-CN" sz="2400" dirty="0" err="1"/>
+              <a:t>propTypes</a:t>
+            </a:r>
+            <a:r>
+              <a:rPr lang="en-US" altLang="zh-CN" sz="2400" dirty="0" smtClean="0"/>
+              <a:t>/connect</a:t>
+            </a:r>
+            <a:endParaRPr lang="zh-CN" altLang="en-US" sz="2400" dirty="0"/>
+          </a:p>
+        </p:txBody>
+      </p:sp>
+    </p:spTree>
+    <p:extLst>
+      <p:ext uri="{BB962C8B-B14F-4D97-AF65-F5344CB8AC3E}">
+        <p14:creationId xmlns:p14="http://schemas.microsoft.com/office/powerpoint/2010/main" val="3962427643"/>
+      </p:ext>
+    </p:extLst>
+  </p:cSld>
+  <p:clrMapOvr>
+    <a:masterClrMapping/>
+  </p:clrMapOvr>
+  <p:timing>
+    <p:tnLst>
+      <p:par>
+        <p:cTn id="1" dur="indefinite" restart="never" nodeType="tmRoot"/>
+      </p:par>
+    </p:tnLst>
+  </p:timing>
+</p:sld>
+</file>
+
+<file path=ppt/slides/slide14.xml><?xml version="1.0" encoding="utf-8"?>
+<p:sld xmlns:a="http://schemas.openxmlformats.org/drawingml/2006/main" xmlns:r="http://schemas.openxmlformats.org/officeDocument/2006/relationships" xmlns:p="http://schemas.openxmlformats.org/presentationml/2006/main">
+  <p:cSld>
+    <p:spTree>
+      <p:nvGrpSpPr>
+        <p:cNvPr id="1" name=""/>
+        <p:cNvGrpSpPr/>
+        <p:nvPr/>
+      </p:nvGrpSpPr>
+      <p:grpSpPr>
+        <a:xfrm>
+          <a:off x="0" y="0"/>
+          <a:ext cx="0" cy="0"/>
+          <a:chOff x="0" y="0"/>
+          <a:chExt cx="0" cy="0"/>
+        </a:xfrm>
+      </p:grpSpPr>
+      <p:pic>
+        <p:nvPicPr>
+          <p:cNvPr id="4" name="图片 3"/>
+          <p:cNvPicPr>
+            <a:picLocks noChangeAspect="1"/>
+          </p:cNvPicPr>
+          <p:nvPr/>
+        </p:nvPicPr>
+        <p:blipFill>
+          <a:blip r:embed="rId3">
+            <a:extLst>
+              <a:ext uri="{28A0092B-C50C-407E-A947-70E740481C1C}">
+                <a14:useLocalDpi xmlns:a14="http://schemas.microsoft.com/office/drawing/2010/main" val="0"/>
+              </a:ext>
+            </a:extLst>
+          </a:blip>
+          <a:stretch>
+            <a:fillRect/>
+          </a:stretch>
+        </p:blipFill>
+        <p:spPr>
+          <a:xfrm>
+            <a:off x="2233073" y="1399892"/>
+            <a:ext cx="7725853" cy="4058216"/>
+          </a:xfrm>
+          <a:prstGeom prst="rect">
+            <a:avLst/>
+          </a:prstGeom>
+        </p:spPr>
+      </p:pic>
+      <p:sp>
+        <p:nvSpPr>
+          <p:cNvPr id="5" name="文本框 4"/>
+          <p:cNvSpPr txBox="1"/>
+          <p:nvPr/>
+        </p:nvSpPr>
+        <p:spPr>
+          <a:xfrm>
+            <a:off x="8201408" y="1501492"/>
+            <a:ext cx="1656544" cy="461665"/>
+          </a:xfrm>
+          <a:prstGeom prst="rect">
+            <a:avLst/>
+          </a:prstGeom>
+          <a:solidFill>
+            <a:schemeClr val="bg1">
+              <a:lumMod val="85000"/>
+              <a:lumOff val="15000"/>
+            </a:schemeClr>
+          </a:solidFill>
+        </p:spPr>
+        <p:txBody>
+          <a:bodyPr wrap="none" rtlCol="0">
+            <a:spAutoFit/>
+          </a:bodyPr>
+          <a:lstStyle/>
+          <a:p>
+            <a:r>
+              <a:rPr lang="en-US" altLang="zh-CN" sz="2400" dirty="0" smtClean="0"/>
+              <a:t>Component</a:t>
+            </a:r>
+            <a:endParaRPr lang="zh-CN" altLang="en-US" sz="2400" dirty="0"/>
+          </a:p>
+        </p:txBody>
+      </p:sp>
+    </p:spTree>
+    <p:extLst>
+      <p:ext uri="{BB962C8B-B14F-4D97-AF65-F5344CB8AC3E}">
+        <p14:creationId xmlns:p14="http://schemas.microsoft.com/office/powerpoint/2010/main" val="3287863240"/>
+      </p:ext>
+    </p:extLst>
+  </p:cSld>
+  <p:clrMapOvr>
+    <a:masterClrMapping/>
+  </p:clrMapOvr>
+  <p:timing>
+    <p:tnLst>
+      <p:par>
+        <p:cTn id="1" dur="indefinite" restart="never" nodeType="tmRoot"/>
+      </p:par>
+    </p:tnLst>
+  </p:timing>
+</p:sld>
+</file>
+
+<file path=ppt/slides/slide15.xml><?xml version="1.0" encoding="utf-8"?>
+<p:sld xmlns:a="http://schemas.openxmlformats.org/drawingml/2006/main" xmlns:r="http://schemas.openxmlformats.org/officeDocument/2006/relationships" xmlns:p="http://schemas.openxmlformats.org/presentationml/2006/main">
+  <p:cSld>
+    <p:spTree>
+      <p:nvGrpSpPr>
+        <p:cNvPr id="1" name=""/>
+        <p:cNvGrpSpPr/>
+        <p:nvPr/>
+      </p:nvGrpSpPr>
+      <p:grpSpPr>
+        <a:xfrm>
+          <a:off x="0" y="0"/>
+          <a:ext cx="0" cy="0"/>
+          <a:chOff x="0" y="0"/>
+          <a:chExt cx="0" cy="0"/>
+        </a:xfrm>
+      </p:grpSpPr>
+      <p:sp>
+        <p:nvSpPr>
+          <p:cNvPr id="2" name="矩形 1"/>
+          <p:cNvSpPr/>
+          <p:nvPr/>
+        </p:nvSpPr>
+        <p:spPr>
+          <a:xfrm>
+            <a:off x="3800692" y="3244334"/>
+            <a:ext cx="4590616" cy="369332"/>
+          </a:xfrm>
+          <a:prstGeom prst="rect">
+            <a:avLst/>
+          </a:prstGeom>
+        </p:spPr>
+        <p:txBody>
+          <a:bodyPr wrap="none">
+            <a:spAutoFit/>
+          </a:bodyPr>
+          <a:lstStyle/>
+          <a:p>
+            <a:r>
+              <a:rPr lang="en-US" altLang="zh-CN" dirty="0" err="1"/>
+              <a:t>Todo</a:t>
+            </a:r>
+            <a:r>
+              <a:rPr lang="en-US" altLang="zh-CN" dirty="0"/>
+              <a:t>: Immutable.js </a:t>
+            </a:r>
+            <a:r>
+              <a:rPr lang="zh-CN" altLang="en-US" dirty="0"/>
+              <a:t>用于优化</a:t>
+            </a:r>
+            <a:r>
+              <a:rPr lang="en-US" altLang="zh-CN" dirty="0"/>
+              <a:t>react</a:t>
+            </a:r>
+            <a:r>
+              <a:rPr lang="zh-CN" altLang="en-US" dirty="0"/>
+              <a:t>组件的性能</a:t>
+            </a:r>
+          </a:p>
+        </p:txBody>
+      </p:sp>
+    </p:spTree>
+    <p:extLst>
+      <p:ext uri="{BB962C8B-B14F-4D97-AF65-F5344CB8AC3E}">
+        <p14:creationId xmlns:p14="http://schemas.microsoft.com/office/powerpoint/2010/main" val="4132615578"/>
+      </p:ext>
+    </p:extLst>
+  </p:cSld>
+  <p:clrMapOvr>
+    <a:masterClrMapping/>
+  </p:clrMapOvr>
+  <p:timing>
+    <p:tnLst>
+      <p:par>
+        <p:cTn id="1" dur="indefinite" restart="never" nodeType="tmRoot"/>
+      </p:par>
+    </p:tnLst>
+  </p:timing>
+</p:sld>
+</file>
+
+<file path=ppt/slides/slide16.xml><?xml version="1.0" encoding="utf-8"?>
+<p:sld xmlns:a="http://schemas.openxmlformats.org/drawingml/2006/main" xmlns:r="http://schemas.openxmlformats.org/officeDocument/2006/relationships" xmlns:p="http://schemas.openxmlformats.org/presentationml/2006/main">
+  <p:cSld>
+    <p:spTree>
+      <p:nvGrpSpPr>
+        <p:cNvPr id="1" name=""/>
+        <p:cNvGrpSpPr/>
+        <p:nvPr/>
+      </p:nvGrpSpPr>
+      <p:grpSpPr>
+        <a:xfrm>
+          <a:off x="0" y="0"/>
+          <a:ext cx="0" cy="0"/>
+          <a:chOff x="0" y="0"/>
+          <a:chExt cx="0" cy="0"/>
+        </a:xfrm>
+      </p:grpSpPr>
+      <p:sp>
+        <p:nvSpPr>
+          <p:cNvPr id="3" name="矩形 2"/>
+          <p:cNvSpPr/>
+          <p:nvPr/>
+        </p:nvSpPr>
+        <p:spPr>
+          <a:xfrm>
+            <a:off x="3924219" y="3244334"/>
+            <a:ext cx="4343561" cy="369332"/>
+          </a:xfrm>
+          <a:prstGeom prst="rect">
+            <a:avLst/>
+          </a:prstGeom>
+        </p:spPr>
+        <p:txBody>
+          <a:bodyPr wrap="none">
+            <a:spAutoFit/>
+          </a:bodyPr>
+          <a:lstStyle/>
+          <a:p>
+            <a:r>
+              <a:rPr lang="en-US" altLang="zh-CN" dirty="0" err="1"/>
+              <a:t>Todo</a:t>
+            </a:r>
+            <a:r>
+              <a:rPr lang="en-US" altLang="zh-CN" dirty="0"/>
+              <a:t>: Immutable.js </a:t>
+            </a:r>
+            <a:r>
+              <a:rPr lang="zh-CN" altLang="en-US" dirty="0"/>
+              <a:t>优缺点、使用场景总结</a:t>
+            </a:r>
+          </a:p>
+        </p:txBody>
+      </p:sp>
+    </p:spTree>
+    <p:extLst>
+      <p:ext uri="{BB962C8B-B14F-4D97-AF65-F5344CB8AC3E}">
+        <p14:creationId xmlns:p14="http://schemas.microsoft.com/office/powerpoint/2010/main" val="2410234138"/>
+      </p:ext>
+    </p:extLst>
+  </p:cSld>
+  <p:clrMapOvr>
+    <a:masterClrMapping/>
+  </p:clrMapOvr>
+  <p:timing>
+    <p:tnLst>
+      <p:par>
+        <p:cTn id="1" dur="indefinite" restart="never" nodeType="tmRoot"/>
+      </p:par>
+    </p:tnLst>
+  </p:timing>
+</p:sld>
+</file>
+
+<file path=ppt/slides/slide17.xml><?xml version="1.0" encoding="utf-8"?>
+<p:sld xmlns:a="http://schemas.openxmlformats.org/drawingml/2006/main" xmlns:r="http://schemas.openxmlformats.org/officeDocument/2006/relationships" xmlns:p="http://schemas.openxmlformats.org/presentationml/2006/main">
+  <p:cSld>
+    <p:spTree>
+      <p:nvGrpSpPr>
+        <p:cNvPr id="1" name=""/>
+        <p:cNvGrpSpPr/>
+        <p:nvPr/>
+      </p:nvGrpSpPr>
+      <p:grpSpPr>
+        <a:xfrm>
+          <a:off x="0" y="0"/>
+          <a:ext cx="0" cy="0"/>
+          <a:chOff x="0" y="0"/>
+          <a:chExt cx="0" cy="0"/>
+        </a:xfrm>
+      </p:grpSpPr>
+      <p:sp>
+        <p:nvSpPr>
+          <p:cNvPr id="3" name="矩形 2"/>
+          <p:cNvSpPr/>
+          <p:nvPr/>
+        </p:nvSpPr>
+        <p:spPr>
+          <a:xfrm>
+            <a:off x="3924219" y="3244334"/>
+            <a:ext cx="4088683" cy="369332"/>
+          </a:xfrm>
+          <a:prstGeom prst="rect">
+            <a:avLst/>
+          </a:prstGeom>
+        </p:spPr>
+        <p:txBody>
+          <a:bodyPr wrap="none">
+            <a:spAutoFit/>
+          </a:bodyPr>
+          <a:lstStyle/>
+          <a:p>
+            <a:r>
+              <a:rPr lang="en-US" altLang="zh-CN" dirty="0" err="1"/>
+              <a:t>Todo</a:t>
+            </a:r>
+            <a:r>
+              <a:rPr lang="en-US" altLang="zh-CN" dirty="0"/>
+              <a:t>: </a:t>
+            </a:r>
+            <a:r>
+              <a:rPr lang="zh-CN" altLang="en-US" dirty="0" smtClean="0"/>
+              <a:t>其他</a:t>
+            </a:r>
+            <a:r>
+              <a:rPr lang="en-US" altLang="zh-CN" dirty="0" smtClean="0"/>
+              <a:t>Immutable</a:t>
+            </a:r>
+            <a:r>
+              <a:rPr lang="zh-CN" altLang="en-US" dirty="0" smtClean="0"/>
+              <a:t>数据结构实现介绍</a:t>
+            </a:r>
+            <a:endParaRPr lang="zh-CN" altLang="en-US" dirty="0"/>
+          </a:p>
+        </p:txBody>
+      </p:sp>
+    </p:spTree>
+    <p:extLst>
+      <p:ext uri="{BB962C8B-B14F-4D97-AF65-F5344CB8AC3E}">
+        <p14:creationId xmlns:p14="http://schemas.microsoft.com/office/powerpoint/2010/main" val="3375790685"/>
+      </p:ext>
+    </p:extLst>
+  </p:cSld>
+  <p:clrMapOvr>
+    <a:masterClrMapping/>
+  </p:clrMapOvr>
+  <p:timing>
+    <p:tnLst>
+      <p:par>
+        <p:cTn id="1" dur="indefinite" restart="never" nodeType="tmRoot"/>
+      </p:par>
+    </p:tnLst>
+  </p:timing>
+</p:sld>
+</file>
+
+<file path=ppt/slides/slide18.xml><?xml version="1.0" encoding="utf-8"?>
+<p:sld xmlns:a="http://schemas.openxmlformats.org/drawingml/2006/main" xmlns:r="http://schemas.openxmlformats.org/officeDocument/2006/relationships" xmlns:p="http://schemas.openxmlformats.org/presentationml/2006/main">
+  <p:cSld>
+    <p:spTree>
+      <p:nvGrpSpPr>
+        <p:cNvPr id="1" name=""/>
+        <p:cNvGrpSpPr/>
+        <p:nvPr/>
+      </p:nvGrpSpPr>
+      <p:grpSpPr>
+        <a:xfrm>
+          <a:off x="0" y="0"/>
+          <a:ext cx="0" cy="0"/>
+          <a:chOff x="0" y="0"/>
+          <a:chExt cx="0" cy="0"/>
+        </a:xfrm>
+      </p:grpSpPr>
+      <p:sp>
+        <p:nvSpPr>
+          <p:cNvPr id="3" name="矩形 2"/>
+          <p:cNvSpPr/>
+          <p:nvPr/>
+        </p:nvSpPr>
+        <p:spPr>
+          <a:xfrm>
+            <a:off x="5590894" y="3244334"/>
+            <a:ext cx="1010213" cy="369332"/>
+          </a:xfrm>
+          <a:prstGeom prst="rect">
+            <a:avLst/>
+          </a:prstGeom>
+        </p:spPr>
+        <p:txBody>
+          <a:bodyPr wrap="none">
+            <a:spAutoFit/>
+          </a:bodyPr>
+          <a:lstStyle/>
+          <a:p>
+            <a:r>
+              <a:rPr lang="en-US" altLang="zh-CN" dirty="0" smtClean="0"/>
+              <a:t>THE END</a:t>
+            </a:r>
+            <a:endParaRPr lang="zh-CN" altLang="en-US" dirty="0"/>
+          </a:p>
+        </p:txBody>
+      </p:sp>
+    </p:spTree>
+    <p:extLst>
+      <p:ext uri="{BB962C8B-B14F-4D97-AF65-F5344CB8AC3E}">
+        <p14:creationId xmlns:p14="http://schemas.microsoft.com/office/powerpoint/2010/main" val="3737030093"/>
+      </p:ext>
+    </p:extLst>
+  </p:cSld>
+  <p:clrMapOvr>
+    <a:masterClrMapping/>
+  </p:clrMapOvr>
+  <p:timing>
+    <p:tnLst>
+      <p:par>
+        <p:cTn id="1" dur="indefinite" restart="never" nodeType="tmRoot"/>
+      </p:par>
+    </p:tnLst>
+  </p:timing>
+</p:sld>
+</file>
+
 <file path=ppt/slides/slide2.xml><?xml version="1.0" encoding="utf-8"?>
 <p:sld xmlns:a="http://schemas.openxmlformats.org/drawingml/2006/main" xmlns:r="http://schemas.openxmlformats.org/officeDocument/2006/relationships" xmlns:p="http://schemas.openxmlformats.org/presentationml/2006/main">
   <p:cSld>
@@ -4515,7 +6864,7 @@
                 <a:effectLst/>
                 <a:latin typeface="Consolas" panose="020B0609020204030204" pitchFamily="49" charset="0"/>
               </a:rPr>
-              <a:t>abc</a:t>
+              <a:t>abcd</a:t>
             </a:r>
             <a:endParaRPr lang="en-US" altLang="zh-CN" b="0" dirty="0" smtClean="0">
               <a:solidFill>
@@ -7354,8 +9703,8 @@
         </p:nvSpPr>
         <p:spPr>
           <a:xfrm>
-            <a:off x="3038108" y="3465034"/>
-            <a:ext cx="6115777" cy="1938992"/>
+            <a:off x="2140430" y="3465034"/>
+            <a:ext cx="7911140" cy="2862322"/>
           </a:xfrm>
           <a:prstGeom prst="rect">
             <a:avLst/>
@@ -7374,6 +9723,78 @@
               </a:lnSpc>
             </a:pPr>
             <a:r>
+              <a:rPr lang="zh-CN" altLang="en-US" sz="2000" dirty="0"/>
+              <a:t>数据</a:t>
+            </a:r>
+            <a:r>
+              <a:rPr lang="zh-CN" altLang="en-US" sz="2000" dirty="0" smtClean="0"/>
+              <a:t>类型：</a:t>
+            </a:r>
+            <a:r>
+              <a:rPr lang="en-US" altLang="zh-CN" sz="2000" dirty="0" smtClean="0"/>
+              <a:t>List</a:t>
+            </a:r>
+            <a:r>
+              <a:rPr lang="zh-CN" altLang="en-US" sz="2000" dirty="0"/>
+              <a:t>，</a:t>
+            </a:r>
+            <a:r>
+              <a:rPr lang="en-US" altLang="zh-CN" sz="2000" dirty="0"/>
+              <a:t>Map</a:t>
+            </a:r>
+            <a:r>
+              <a:rPr lang="zh-CN" altLang="en-US" sz="2000" dirty="0"/>
+              <a:t>，</a:t>
+            </a:r>
+            <a:r>
+              <a:rPr lang="en-US" altLang="zh-CN" sz="2000" dirty="0"/>
+              <a:t>Set</a:t>
+            </a:r>
+            <a:r>
+              <a:rPr lang="zh-CN" altLang="en-US" sz="2000" dirty="0"/>
+              <a:t>，</a:t>
+            </a:r>
+            <a:r>
+              <a:rPr lang="en-US" altLang="zh-CN" sz="2000" dirty="0" err="1"/>
+              <a:t>Seq</a:t>
+            </a:r>
+            <a:r>
+              <a:rPr lang="zh-CN" altLang="en-US" sz="2000" dirty="0"/>
+              <a:t>，</a:t>
+            </a:r>
+            <a:r>
+              <a:rPr lang="en-US" altLang="zh-CN" sz="2000" dirty="0"/>
+              <a:t>Collection</a:t>
+            </a:r>
+            <a:r>
+              <a:rPr lang="zh-CN" altLang="en-US" sz="2000" dirty="0"/>
+              <a:t>，</a:t>
+            </a:r>
+            <a:r>
+              <a:rPr lang="en-US" altLang="zh-CN" sz="2000" dirty="0"/>
+              <a:t>Range</a:t>
+            </a:r>
+            <a:endParaRPr lang="en-US" altLang="zh-CN" sz="2000" dirty="0" smtClean="0">
+              <a:latin typeface="+mn-ea"/>
+            </a:endParaRPr>
+          </a:p>
+          <a:p>
+            <a:pPr>
+              <a:lnSpc>
+                <a:spcPct val="150000"/>
+              </a:lnSpc>
+            </a:pPr>
+            <a:endParaRPr lang="en-US" altLang="zh-CN" sz="2000" dirty="0" smtClean="0">
+              <a:latin typeface="+mn-ea"/>
+            </a:endParaRPr>
+          </a:p>
+          <a:p>
+            <a:pPr>
+              <a:lnSpc>
+                <a:spcPct val="150000"/>
+              </a:lnSpc>
+            </a:pPr>
+            <a:r>
               <a:rPr lang="zh-CN" altLang="en-US" sz="2000" dirty="0" smtClean="0">
                 <a:latin typeface="+mn-ea"/>
               </a:rPr>
@@ -7401,7 +9822,7 @@
               <a:rPr lang="zh-CN" altLang="en-US" sz="2000" dirty="0" smtClean="0">
                 <a:latin typeface="+mn-ea"/>
               </a:rPr>
-              <a:t>（持久化数据结构）</a:t>
+              <a:t>（持久化数据结构，即不可变数据）</a:t>
             </a:r>
           </a:p>
           <a:p>
@@ -7721,8 +10142,8 @@
         </p:nvSpPr>
         <p:spPr>
           <a:xfrm>
-            <a:off x="3048000" y="206537"/>
-            <a:ext cx="6096000" cy="6186309"/>
+            <a:off x="3048000" y="551532"/>
+            <a:ext cx="6096000" cy="5909310"/>
           </a:xfrm>
           <a:prstGeom prst="rect">
             <a:avLst/>
@@ -7986,117 +10407,7 @@
                 <a:effectLst/>
                 <a:latin typeface="Consolas" panose="020B0609020204030204" pitchFamily="49" charset="0"/>
               </a:rPr>
-              <a:t>1</a:t>
-            </a:r>
-            <a:r>
-              <a:rPr lang="en-US" altLang="zh-CN" b="0" dirty="0" smtClean="0">
-                <a:solidFill>
-                  <a:srgbClr val="ABB2BF"/>
-                </a:solidFill>
-                <a:effectLst/>
-                <a:latin typeface="Consolas" panose="020B0609020204030204" pitchFamily="49" charset="0"/>
-              </a:rPr>
-              <a:t>,</a:t>
-            </a:r>
-            <a:r>
-              <a:rPr lang="en-US" altLang="zh-CN" b="0" dirty="0" smtClean="0">
-                <a:solidFill>
-                  <a:srgbClr val="BBBBBB"/>
-                </a:solidFill>
-                <a:effectLst/>
-                <a:latin typeface="Consolas" panose="020B0609020204030204" pitchFamily="49" charset="0"/>
-              </a:rPr>
-              <a:t> b</a:t>
-            </a:r>
-            <a:r>
-              <a:rPr lang="en-US" altLang="zh-CN" b="0" dirty="0" smtClean="0">
-                <a:solidFill>
-                  <a:srgbClr val="56B6C2"/>
-                </a:solidFill>
-                <a:effectLst/>
-                <a:latin typeface="Consolas" panose="020B0609020204030204" pitchFamily="49" charset="0"/>
-              </a:rPr>
-              <a:t>:</a:t>
-            </a:r>
-            <a:r>
-              <a:rPr lang="en-US" altLang="zh-CN" b="0" dirty="0" smtClean="0">
-                <a:solidFill>
-                  <a:srgbClr val="BBBBBB"/>
-                </a:solidFill>
-                <a:effectLst/>
-                <a:latin typeface="Consolas" panose="020B0609020204030204" pitchFamily="49" charset="0"/>
-              </a:rPr>
-              <a:t> </a:t>
-            </a:r>
-            <a:r>
-              <a:rPr lang="en-US" altLang="zh-CN" b="0" dirty="0" smtClean="0">
-                <a:solidFill>
-                  <a:srgbClr val="D19A66"/>
-                </a:solidFill>
-                <a:effectLst/>
-                <a:latin typeface="Consolas" panose="020B0609020204030204" pitchFamily="49" charset="0"/>
-              </a:rPr>
-              <a:t>2</a:t>
-            </a:r>
-            <a:r>
-              <a:rPr lang="en-US" altLang="zh-CN" b="0" dirty="0" smtClean="0">
-                <a:solidFill>
-                  <a:srgbClr val="ABB2BF"/>
-                </a:solidFill>
-                <a:effectLst/>
-                <a:latin typeface="Consolas" panose="020B0609020204030204" pitchFamily="49" charset="0"/>
-              </a:rPr>
-              <a:t>,</a:t>
-            </a:r>
-            <a:r>
-              <a:rPr lang="en-US" altLang="zh-CN" b="0" dirty="0" smtClean="0">
-                <a:solidFill>
-                  <a:srgbClr val="BBBBBB"/>
-                </a:solidFill>
-                <a:effectLst/>
-                <a:latin typeface="Consolas" panose="020B0609020204030204" pitchFamily="49" charset="0"/>
-              </a:rPr>
-              <a:t> c</a:t>
-            </a:r>
-            <a:r>
-              <a:rPr lang="en-US" altLang="zh-CN" b="0" dirty="0" smtClean="0">
-                <a:solidFill>
-                  <a:srgbClr val="56B6C2"/>
-                </a:solidFill>
-                <a:effectLst/>
-                <a:latin typeface="Consolas" panose="020B0609020204030204" pitchFamily="49" charset="0"/>
-              </a:rPr>
-              <a:t>:</a:t>
-            </a:r>
-            <a:r>
-              <a:rPr lang="en-US" altLang="zh-CN" b="0" dirty="0" smtClean="0">
-                <a:solidFill>
-                  <a:srgbClr val="BBBBBB"/>
-                </a:solidFill>
-                <a:effectLst/>
-                <a:latin typeface="Consolas" panose="020B0609020204030204" pitchFamily="49" charset="0"/>
-              </a:rPr>
-              <a:t> </a:t>
-            </a:r>
-            <a:r>
-              <a:rPr lang="en-US" altLang="zh-CN" b="0" dirty="0" smtClean="0">
-                <a:solidFill>
-                  <a:srgbClr val="D19A66"/>
-                </a:solidFill>
-                <a:effectLst/>
-                <a:latin typeface="Consolas" panose="020B0609020204030204" pitchFamily="49" charset="0"/>
-              </a:rPr>
-              <a:t>3</a:t>
-            </a:r>
-            <a:r>
-              <a:rPr lang="en-US" altLang="zh-CN" b="0" dirty="0" smtClean="0">
-                <a:solidFill>
-                  <a:srgbClr val="BBBBBB"/>
-                </a:solidFill>
-                <a:effectLst/>
-                <a:latin typeface="Consolas" panose="020B0609020204030204" pitchFamily="49" charset="0"/>
-              </a:rPr>
-              <a:t> </a:t>
+              <a:t>1 </a:t>
             </a:r>
             <a:r>
               <a:rPr lang="en-US" altLang="zh-CN" b="0" dirty="0" smtClean="0">
@@ -8218,14 +10529,23 @@
               <a:t>(</a:t>
             </a:r>
             <a:r>
-              <a:rPr lang="en-US" altLang="zh-CN" b="0" dirty="0" smtClean="0">
+              <a:rPr lang="en-US" altLang="zh-CN" dirty="0" smtClean="0">
                 <a:solidFill>
                   <a:srgbClr val="98C379"/>
                 </a:solidFill>
-                <a:effectLst/>
-                <a:latin typeface="Consolas" panose="020B0609020204030204" pitchFamily="49" charset="0"/>
-              </a:rPr>
-              <a:t>'b'</a:t>
+                <a:latin typeface="Consolas" panose="020B0609020204030204" pitchFamily="49" charset="0"/>
+              </a:rPr>
+              <a:t>'</a:t>
+            </a:r>
+            <a:r>
+              <a:rPr lang="en-US" altLang="zh-CN" b="0" dirty="0" smtClean="0">
+                <a:solidFill>
+                  <a:srgbClr val="98C379"/>
+                </a:solidFill>
+                <a:effectLst/>
+                <a:latin typeface="Consolas" panose="020B0609020204030204" pitchFamily="49" charset="0"/>
+              </a:rPr>
+              <a:t>a'</a:t>
             </a:r>
             <a:r>
               <a:rPr lang="en-US" altLang="zh-CN" b="0" dirty="0" smtClean="0">
@@ -8248,14 +10568,13 @@
               <a:t> </a:t>
             </a:r>
             <a:r>
-              <a:rPr lang="en-US" altLang="zh-CN" b="0" dirty="0" smtClean="0">
+              <a:rPr lang="en-US" altLang="zh-CN" dirty="0">
                 <a:solidFill>
                   <a:srgbClr val="D19A66"/>
                 </a:solidFill>
-                <a:effectLst/>
-                <a:latin typeface="Consolas" panose="020B0609020204030204" pitchFamily="49" charset="0"/>
-              </a:rPr>
-              <a:t>50</a:t>
+                <a:latin typeface="Consolas" panose="020B0609020204030204" pitchFamily="49" charset="0"/>
+              </a:rPr>
+              <a:t>2</a:t>
             </a:r>
             <a:r>
               <a:rPr lang="en-US" altLang="zh-CN" b="0" dirty="0" smtClean="0">
@@ -8324,7 +10643,7 @@
                 <a:effectLst/>
                 <a:latin typeface="Consolas" panose="020B0609020204030204" pitchFamily="49" charset="0"/>
               </a:rPr>
-              <a:t>'b'</a:t>
+              <a:t>'a'</a:t>
             </a:r>
             <a:r>
               <a:rPr lang="en-US" altLang="zh-CN" b="0" dirty="0" smtClean="0">
@@ -8354,7 +10673,7 @@
                 <a:effectLst/>
                 <a:latin typeface="Consolas" panose="020B0609020204030204" pitchFamily="49" charset="0"/>
               </a:rPr>
-              <a:t>// 2</a:t>
+              <a:t>// 1</a:t>
             </a:r>
             <a:endParaRPr lang="en-US" altLang="zh-CN" b="0" dirty="0" smtClean="0">
               <a:solidFill>
@@ -8413,7 +10732,7 @@
                 <a:effectLst/>
                 <a:latin typeface="Consolas" panose="020B0609020204030204" pitchFamily="49" charset="0"/>
               </a:rPr>
-              <a:t>'b'</a:t>
+              <a:t>'a'</a:t>
             </a:r>
             <a:r>
               <a:rPr lang="en-US" altLang="zh-CN" b="0" dirty="0" smtClean="0">
@@ -8443,7 +10762,16 @@
                 <a:effectLst/>
                 <a:latin typeface="Consolas" panose="020B0609020204030204" pitchFamily="49" charset="0"/>
               </a:rPr>
-              <a:t>// 50</a:t>
+              <a:t>// </a:t>
+            </a:r>
+            <a:r>
+              <a:rPr lang="en-US" altLang="zh-CN" i="1" dirty="0">
+                <a:solidFill>
+                  <a:srgbClr val="5C6370"/>
+                </a:solidFill>
+                <a:latin typeface="Consolas" panose="020B0609020204030204" pitchFamily="49" charset="0"/>
+              </a:rPr>
+              <a:t>2</a:t>
             </a:r>
             <a:endParaRPr lang="en-US" altLang="zh-CN" b="0" dirty="0" smtClean="0">
               <a:solidFill>
@@ -9788,8 +12116,8 @@
         </p:nvSpPr>
         <p:spPr>
           <a:xfrm>
-            <a:off x="7683009" y="6488668"/>
-            <a:ext cx="4508991" cy="369332"/>
+            <a:off x="6753267" y="6488668"/>
+            <a:ext cx="5438733" cy="369332"/>
           </a:xfrm>
           <a:prstGeom prst="rect">
             <a:avLst/>
@@ -9802,10 +12130,44 @@
           <a:lstStyle/>
           <a:p>
             <a:r>
+              <a:rPr lang="en-US" altLang="zh-CN" dirty="0" smtClean="0"/>
+              <a:t>API Docs: </a:t>
+            </a:r>
+            <a:r>
               <a:rPr lang="zh-CN" altLang="en-US" dirty="0" smtClean="0"/>
               <a:t>http://facebook.github.io/immutable-js/docs/</a:t>
             </a:r>
             <a:endParaRPr lang="zh-CN" altLang="en-US" dirty="0"/>
+          </a:p>
+        </p:txBody>
+      </p:sp>
+      <p:sp>
+        <p:nvSpPr>
+          <p:cNvPr id="4" name="文本框 3"/>
+          <p:cNvSpPr txBox="1"/>
+          <p:nvPr/>
+        </p:nvSpPr>
+        <p:spPr>
+          <a:xfrm>
+            <a:off x="733631" y="89867"/>
+            <a:ext cx="1723549" cy="461665"/>
+          </a:xfrm>
+          <a:prstGeom prst="rect">
+            <a:avLst/>
+          </a:prstGeom>
+          <a:noFill/>
+        </p:spPr>
+        <p:txBody>
+          <a:bodyPr wrap="none" rtlCol="0">
+            <a:spAutoFit/>
+          </a:bodyPr>
+          <a:lstStyle/>
+          <a:p>
+            <a:r>
+              <a:rPr lang="zh-CN" altLang="en-US" sz="2400" dirty="0" smtClean="0"/>
+              <a:t>不可变数据</a:t>
+            </a:r>
+            <a:endParaRPr lang="zh-CN" altLang="en-US" sz="2400" dirty="0"/>
           </a:p>
         </p:txBody>
       </p:sp>
@@ -9846,10 +12208,1440 @@
           <a:chExt cx="0" cy="0"/>
         </a:xfrm>
       </p:grpSpPr>
+      <p:sp>
+        <p:nvSpPr>
+          <p:cNvPr id="2" name="文本框 1"/>
+          <p:cNvSpPr txBox="1"/>
+          <p:nvPr/>
+        </p:nvSpPr>
+        <p:spPr>
+          <a:xfrm>
+            <a:off x="733631" y="89867"/>
+            <a:ext cx="1415772" cy="461665"/>
+          </a:xfrm>
+          <a:prstGeom prst="rect">
+            <a:avLst/>
+          </a:prstGeom>
+          <a:noFill/>
+        </p:spPr>
+        <p:txBody>
+          <a:bodyPr wrap="none" rtlCol="0">
+            <a:spAutoFit/>
+          </a:bodyPr>
+          <a:lstStyle/>
+          <a:p>
+            <a:r>
+              <a:rPr lang="zh-CN" altLang="en-US" sz="2400" dirty="0" smtClean="0"/>
+              <a:t>结构共享</a:t>
+            </a:r>
+            <a:endParaRPr lang="zh-CN" altLang="en-US" sz="2400" dirty="0"/>
+          </a:p>
+        </p:txBody>
+      </p:sp>
+      <p:pic>
+        <p:nvPicPr>
+          <p:cNvPr id="3" name="图片 2"/>
+          <p:cNvPicPr>
+            <a:picLocks noChangeAspect="1"/>
+          </p:cNvPicPr>
+          <p:nvPr/>
+        </p:nvPicPr>
+        <p:blipFill>
+          <a:blip r:embed="rId3">
+            <a:extLst>
+              <a:ext uri="{28A0092B-C50C-407E-A947-70E740481C1C}">
+                <a14:useLocalDpi xmlns:a14="http://schemas.microsoft.com/office/drawing/2010/main" val="0"/>
+              </a:ext>
+            </a:extLst>
+          </a:blip>
+          <a:stretch>
+            <a:fillRect/>
+          </a:stretch>
+        </p:blipFill>
+        <p:spPr>
+          <a:xfrm>
+            <a:off x="3176587" y="690562"/>
+            <a:ext cx="5838825" cy="5476875"/>
+          </a:xfrm>
+          <a:prstGeom prst="rect">
+            <a:avLst/>
+          </a:prstGeom>
+        </p:spPr>
+      </p:pic>
     </p:spTree>
     <p:extLst>
       <p:ext uri="{BB962C8B-B14F-4D97-AF65-F5344CB8AC3E}">
         <p14:creationId xmlns:p14="http://schemas.microsoft.com/office/powerpoint/2010/main" val="1597812379"/>
+      </p:ext>
+    </p:extLst>
+  </p:cSld>
+  <p:clrMapOvr>
+    <a:masterClrMapping/>
+  </p:clrMapOvr>
+  <p:timing>
+    <p:tnLst>
+      <p:par>
+        <p:cTn id="1" dur="indefinite" restart="never" nodeType="tmRoot"/>
+      </p:par>
+    </p:tnLst>
+  </p:timing>
+</p:sld>
+</file>
+
+<file path=ppt/slides/slide8.xml><?xml version="1.0" encoding="utf-8"?>
+<p:sld xmlns:a="http://schemas.openxmlformats.org/drawingml/2006/main" xmlns:r="http://schemas.openxmlformats.org/officeDocument/2006/relationships" xmlns:p="http://schemas.openxmlformats.org/presentationml/2006/main">
+  <p:cSld>
+    <p:spTree>
+      <p:nvGrpSpPr>
+        <p:cNvPr id="1" name=""/>
+        <p:cNvGrpSpPr/>
+        <p:nvPr/>
+      </p:nvGrpSpPr>
+      <p:grpSpPr>
+        <a:xfrm>
+          <a:off x="0" y="0"/>
+          <a:ext cx="0" cy="0"/>
+          <a:chOff x="0" y="0"/>
+          <a:chExt cx="0" cy="0"/>
+        </a:xfrm>
+      </p:grpSpPr>
+      <p:sp>
+        <p:nvSpPr>
+          <p:cNvPr id="2" name="文本框 1"/>
+          <p:cNvSpPr txBox="1"/>
+          <p:nvPr/>
+        </p:nvSpPr>
+        <p:spPr>
+          <a:xfrm>
+            <a:off x="733631" y="89867"/>
+            <a:ext cx="1941557" cy="461665"/>
+          </a:xfrm>
+          <a:prstGeom prst="rect">
+            <a:avLst/>
+          </a:prstGeom>
+          <a:noFill/>
+        </p:spPr>
+        <p:txBody>
+          <a:bodyPr wrap="none" rtlCol="0">
+            <a:spAutoFit/>
+          </a:bodyPr>
+          <a:lstStyle/>
+          <a:p>
+            <a:r>
+              <a:rPr lang="en-US" altLang="zh-CN" sz="2400" dirty="0" err="1" smtClean="0"/>
+              <a:t>Seq</a:t>
+            </a:r>
+            <a:r>
+              <a:rPr lang="en-US" altLang="zh-CN" sz="2400" dirty="0" smtClean="0"/>
+              <a:t> </a:t>
+            </a:r>
+            <a:r>
+              <a:rPr lang="zh-CN" altLang="en-US" sz="2400" dirty="0" smtClean="0"/>
+              <a:t>惰性操作</a:t>
+            </a:r>
+            <a:endParaRPr lang="zh-CN" altLang="en-US" sz="2400" dirty="0"/>
+          </a:p>
+        </p:txBody>
+      </p:sp>
+      <p:sp>
+        <p:nvSpPr>
+          <p:cNvPr id="4" name="矩形 3"/>
+          <p:cNvSpPr/>
+          <p:nvPr/>
+        </p:nvSpPr>
+        <p:spPr>
+          <a:xfrm>
+            <a:off x="3048000" y="926513"/>
+            <a:ext cx="6096000" cy="1477328"/>
+          </a:xfrm>
+          <a:prstGeom prst="rect">
+            <a:avLst/>
+          </a:prstGeom>
+          <a:solidFill>
+            <a:schemeClr val="bg1">
+              <a:lumMod val="85000"/>
+              <a:lumOff val="15000"/>
+            </a:schemeClr>
+          </a:solidFill>
+        </p:spPr>
+        <p:txBody>
+          <a:bodyPr>
+            <a:spAutoFit/>
+          </a:bodyPr>
+          <a:lstStyle/>
+          <a:p>
+            <a:r>
+              <a:rPr lang="en-US" altLang="zh-CN" dirty="0" err="1">
+                <a:solidFill>
+                  <a:srgbClr val="C678DD"/>
+                </a:solidFill>
+                <a:latin typeface="Consolas" panose="020B0609020204030204" pitchFamily="49" charset="0"/>
+              </a:rPr>
+              <a:t>const</a:t>
+            </a:r>
+            <a:r>
+              <a:rPr lang="en-US" altLang="zh-CN" dirty="0">
+                <a:solidFill>
+                  <a:srgbClr val="BBBBBB"/>
+                </a:solidFill>
+                <a:latin typeface="Consolas" panose="020B0609020204030204" pitchFamily="49" charset="0"/>
+              </a:rPr>
+              <a:t> </a:t>
+            </a:r>
+            <a:r>
+              <a:rPr lang="en-US" altLang="zh-CN" dirty="0">
+                <a:solidFill>
+                  <a:srgbClr val="ABB2BF"/>
+                </a:solidFill>
+                <a:latin typeface="Consolas" panose="020B0609020204030204" pitchFamily="49" charset="0"/>
+              </a:rPr>
+              <a:t>array</a:t>
+            </a:r>
+            <a:r>
+              <a:rPr lang="en-US" altLang="zh-CN" dirty="0">
+                <a:solidFill>
+                  <a:srgbClr val="BBBBBB"/>
+                </a:solidFill>
+                <a:latin typeface="Consolas" panose="020B0609020204030204" pitchFamily="49" charset="0"/>
+              </a:rPr>
+              <a:t> </a:t>
+            </a:r>
+            <a:r>
+              <a:rPr lang="en-US" altLang="zh-CN" dirty="0">
+                <a:solidFill>
+                  <a:srgbClr val="56B6C2"/>
+                </a:solidFill>
+                <a:latin typeface="Consolas" panose="020B0609020204030204" pitchFamily="49" charset="0"/>
+              </a:rPr>
+              <a:t>=</a:t>
+            </a:r>
+            <a:r>
+              <a:rPr lang="en-US" altLang="zh-CN" dirty="0">
+                <a:solidFill>
+                  <a:srgbClr val="BBBBBB"/>
+                </a:solidFill>
+                <a:latin typeface="Consolas" panose="020B0609020204030204" pitchFamily="49" charset="0"/>
+              </a:rPr>
+              <a:t> </a:t>
+            </a:r>
+            <a:r>
+              <a:rPr lang="en-US" altLang="zh-CN" dirty="0">
+                <a:solidFill>
+                  <a:srgbClr val="ABB2BF"/>
+                </a:solidFill>
+                <a:latin typeface="Consolas" panose="020B0609020204030204" pitchFamily="49" charset="0"/>
+              </a:rPr>
+              <a:t>[</a:t>
+            </a:r>
+            <a:r>
+              <a:rPr lang="en-US" altLang="zh-CN" dirty="0">
+                <a:solidFill>
+                  <a:srgbClr val="D19A66"/>
+                </a:solidFill>
+                <a:latin typeface="Consolas" panose="020B0609020204030204" pitchFamily="49" charset="0"/>
+              </a:rPr>
+              <a:t>0</a:t>
+            </a:r>
+            <a:r>
+              <a:rPr lang="en-US" altLang="zh-CN" dirty="0">
+                <a:solidFill>
+                  <a:srgbClr val="ABB2BF"/>
+                </a:solidFill>
+                <a:latin typeface="Consolas" panose="020B0609020204030204" pitchFamily="49" charset="0"/>
+              </a:rPr>
+              <a:t>,</a:t>
+            </a:r>
+            <a:r>
+              <a:rPr lang="en-US" altLang="zh-CN" dirty="0">
+                <a:solidFill>
+                  <a:srgbClr val="BBBBBB"/>
+                </a:solidFill>
+                <a:latin typeface="Consolas" panose="020B0609020204030204" pitchFamily="49" charset="0"/>
+              </a:rPr>
+              <a:t> </a:t>
+            </a:r>
+            <a:r>
+              <a:rPr lang="en-US" altLang="zh-CN" dirty="0">
+                <a:solidFill>
+                  <a:srgbClr val="D19A66"/>
+                </a:solidFill>
+                <a:latin typeface="Consolas" panose="020B0609020204030204" pitchFamily="49" charset="0"/>
+              </a:rPr>
+              <a:t>1</a:t>
+            </a:r>
+            <a:r>
+              <a:rPr lang="en-US" altLang="zh-CN" dirty="0">
+                <a:solidFill>
+                  <a:srgbClr val="ABB2BF"/>
+                </a:solidFill>
+                <a:latin typeface="Consolas" panose="020B0609020204030204" pitchFamily="49" charset="0"/>
+              </a:rPr>
+              <a:t>,</a:t>
+            </a:r>
+            <a:r>
+              <a:rPr lang="en-US" altLang="zh-CN" dirty="0">
+                <a:solidFill>
+                  <a:srgbClr val="BBBBBB"/>
+                </a:solidFill>
+                <a:latin typeface="Consolas" panose="020B0609020204030204" pitchFamily="49" charset="0"/>
+              </a:rPr>
+              <a:t> </a:t>
+            </a:r>
+            <a:r>
+              <a:rPr lang="en-US" altLang="zh-CN" dirty="0">
+                <a:solidFill>
+                  <a:srgbClr val="D19A66"/>
+                </a:solidFill>
+                <a:latin typeface="Consolas" panose="020B0609020204030204" pitchFamily="49" charset="0"/>
+              </a:rPr>
+              <a:t>2</a:t>
+            </a:r>
+            <a:r>
+              <a:rPr lang="en-US" altLang="zh-CN" dirty="0">
+                <a:solidFill>
+                  <a:srgbClr val="ABB2BF"/>
+                </a:solidFill>
+                <a:latin typeface="Consolas" panose="020B0609020204030204" pitchFamily="49" charset="0"/>
+              </a:rPr>
+              <a:t>,</a:t>
+            </a:r>
+            <a:r>
+              <a:rPr lang="en-US" altLang="zh-CN" dirty="0">
+                <a:solidFill>
+                  <a:srgbClr val="BBBBBB"/>
+                </a:solidFill>
+                <a:latin typeface="Consolas" panose="020B0609020204030204" pitchFamily="49" charset="0"/>
+              </a:rPr>
+              <a:t> </a:t>
+            </a:r>
+            <a:r>
+              <a:rPr lang="en-US" altLang="zh-CN" dirty="0">
+                <a:solidFill>
+                  <a:srgbClr val="D19A66"/>
+                </a:solidFill>
+                <a:latin typeface="Consolas" panose="020B0609020204030204" pitchFamily="49" charset="0"/>
+              </a:rPr>
+              <a:t>3</a:t>
+            </a:r>
+            <a:r>
+              <a:rPr lang="en-US" altLang="zh-CN" dirty="0">
+                <a:solidFill>
+                  <a:srgbClr val="ABB2BF"/>
+                </a:solidFill>
+                <a:latin typeface="Consolas" panose="020B0609020204030204" pitchFamily="49" charset="0"/>
+              </a:rPr>
+              <a:t>,</a:t>
+            </a:r>
+            <a:r>
+              <a:rPr lang="en-US" altLang="zh-CN" dirty="0">
+                <a:solidFill>
+                  <a:srgbClr val="BBBBBB"/>
+                </a:solidFill>
+                <a:latin typeface="Consolas" panose="020B0609020204030204" pitchFamily="49" charset="0"/>
+              </a:rPr>
+              <a:t> </a:t>
+            </a:r>
+            <a:r>
+              <a:rPr lang="en-US" altLang="zh-CN" dirty="0">
+                <a:solidFill>
+                  <a:srgbClr val="D19A66"/>
+                </a:solidFill>
+                <a:latin typeface="Consolas" panose="020B0609020204030204" pitchFamily="49" charset="0"/>
+              </a:rPr>
+              <a:t>4</a:t>
+            </a:r>
+            <a:r>
+              <a:rPr lang="en-US" altLang="zh-CN" dirty="0">
+                <a:solidFill>
+                  <a:srgbClr val="ABB2BF"/>
+                </a:solidFill>
+                <a:latin typeface="Consolas" panose="020B0609020204030204" pitchFamily="49" charset="0"/>
+              </a:rPr>
+              <a:t>,</a:t>
+            </a:r>
+            <a:r>
+              <a:rPr lang="en-US" altLang="zh-CN" dirty="0">
+                <a:solidFill>
+                  <a:srgbClr val="BBBBBB"/>
+                </a:solidFill>
+                <a:latin typeface="Consolas" panose="020B0609020204030204" pitchFamily="49" charset="0"/>
+              </a:rPr>
+              <a:t> </a:t>
+            </a:r>
+            <a:r>
+              <a:rPr lang="en-US" altLang="zh-CN" dirty="0">
+                <a:solidFill>
+                  <a:srgbClr val="D19A66"/>
+                </a:solidFill>
+                <a:latin typeface="Consolas" panose="020B0609020204030204" pitchFamily="49" charset="0"/>
+              </a:rPr>
+              <a:t>5</a:t>
+            </a:r>
+            <a:r>
+              <a:rPr lang="en-US" altLang="zh-CN" dirty="0">
+                <a:solidFill>
+                  <a:srgbClr val="ABB2BF"/>
+                </a:solidFill>
+                <a:latin typeface="Consolas" panose="020B0609020204030204" pitchFamily="49" charset="0"/>
+              </a:rPr>
+              <a:t>,</a:t>
+            </a:r>
+            <a:r>
+              <a:rPr lang="en-US" altLang="zh-CN" dirty="0">
+                <a:solidFill>
+                  <a:srgbClr val="BBBBBB"/>
+                </a:solidFill>
+                <a:latin typeface="Consolas" panose="020B0609020204030204" pitchFamily="49" charset="0"/>
+              </a:rPr>
+              <a:t> </a:t>
+            </a:r>
+            <a:r>
+              <a:rPr lang="en-US" altLang="zh-CN" dirty="0">
+                <a:solidFill>
+                  <a:srgbClr val="D19A66"/>
+                </a:solidFill>
+                <a:latin typeface="Consolas" panose="020B0609020204030204" pitchFamily="49" charset="0"/>
+              </a:rPr>
+              <a:t>6</a:t>
+            </a:r>
+            <a:r>
+              <a:rPr lang="en-US" altLang="zh-CN" dirty="0">
+                <a:solidFill>
+                  <a:srgbClr val="ABB2BF"/>
+                </a:solidFill>
+                <a:latin typeface="Consolas" panose="020B0609020204030204" pitchFamily="49" charset="0"/>
+              </a:rPr>
+              <a:t>,</a:t>
+            </a:r>
+            <a:r>
+              <a:rPr lang="en-US" altLang="zh-CN" dirty="0">
+                <a:solidFill>
+                  <a:srgbClr val="BBBBBB"/>
+                </a:solidFill>
+                <a:latin typeface="Consolas" panose="020B0609020204030204" pitchFamily="49" charset="0"/>
+              </a:rPr>
+              <a:t> </a:t>
+            </a:r>
+            <a:r>
+              <a:rPr lang="en-US" altLang="zh-CN" dirty="0">
+                <a:solidFill>
+                  <a:srgbClr val="D19A66"/>
+                </a:solidFill>
+                <a:latin typeface="Consolas" panose="020B0609020204030204" pitchFamily="49" charset="0"/>
+              </a:rPr>
+              <a:t>7</a:t>
+            </a:r>
+            <a:r>
+              <a:rPr lang="en-US" altLang="zh-CN" dirty="0">
+                <a:solidFill>
+                  <a:srgbClr val="ABB2BF"/>
+                </a:solidFill>
+                <a:latin typeface="Consolas" panose="020B0609020204030204" pitchFamily="49" charset="0"/>
+              </a:rPr>
+              <a:t>,</a:t>
+            </a:r>
+            <a:r>
+              <a:rPr lang="en-US" altLang="zh-CN" dirty="0">
+                <a:solidFill>
+                  <a:srgbClr val="BBBBBB"/>
+                </a:solidFill>
+                <a:latin typeface="Consolas" panose="020B0609020204030204" pitchFamily="49" charset="0"/>
+              </a:rPr>
+              <a:t> </a:t>
+            </a:r>
+            <a:r>
+              <a:rPr lang="en-US" altLang="zh-CN" dirty="0">
+                <a:solidFill>
+                  <a:srgbClr val="D19A66"/>
+                </a:solidFill>
+                <a:latin typeface="Consolas" panose="020B0609020204030204" pitchFamily="49" charset="0"/>
+              </a:rPr>
+              <a:t>8</a:t>
+            </a:r>
+            <a:r>
+              <a:rPr lang="en-US" altLang="zh-CN" dirty="0">
+                <a:solidFill>
+                  <a:srgbClr val="ABB2BF"/>
+                </a:solidFill>
+                <a:latin typeface="Consolas" panose="020B0609020204030204" pitchFamily="49" charset="0"/>
+              </a:rPr>
+              <a:t>,</a:t>
+            </a:r>
+            <a:r>
+              <a:rPr lang="en-US" altLang="zh-CN" dirty="0">
+                <a:solidFill>
+                  <a:srgbClr val="BBBBBB"/>
+                </a:solidFill>
+                <a:latin typeface="Consolas" panose="020B0609020204030204" pitchFamily="49" charset="0"/>
+              </a:rPr>
+              <a:t> </a:t>
+            </a:r>
+            <a:r>
+              <a:rPr lang="en-US" altLang="zh-CN" dirty="0">
+                <a:solidFill>
+                  <a:srgbClr val="D19A66"/>
+                </a:solidFill>
+                <a:latin typeface="Consolas" panose="020B0609020204030204" pitchFamily="49" charset="0"/>
+              </a:rPr>
+              <a:t>9</a:t>
+            </a:r>
+            <a:r>
+              <a:rPr lang="en-US" altLang="zh-CN" dirty="0">
+                <a:solidFill>
+                  <a:srgbClr val="ABB2BF"/>
+                </a:solidFill>
+                <a:latin typeface="Consolas" panose="020B0609020204030204" pitchFamily="49" charset="0"/>
+              </a:rPr>
+              <a:t>]</a:t>
+            </a:r>
+            <a:endParaRPr lang="en-US" altLang="zh-CN" dirty="0">
+              <a:solidFill>
+                <a:srgbClr val="BBBBBB"/>
+              </a:solidFill>
+              <a:latin typeface="Consolas" panose="020B0609020204030204" pitchFamily="49" charset="0"/>
+            </a:endParaRPr>
+          </a:p>
+          <a:p>
+            <a:r>
+              <a:rPr lang="en-US" altLang="zh-CN" dirty="0" err="1">
+                <a:solidFill>
+                  <a:srgbClr val="E06C75"/>
+                </a:solidFill>
+                <a:latin typeface="Consolas" panose="020B0609020204030204" pitchFamily="49" charset="0"/>
+              </a:rPr>
+              <a:t>array</a:t>
+            </a:r>
+            <a:r>
+              <a:rPr lang="en-US" altLang="zh-CN" dirty="0" err="1">
+                <a:solidFill>
+                  <a:srgbClr val="ABB2BF"/>
+                </a:solidFill>
+                <a:latin typeface="Consolas" panose="020B0609020204030204" pitchFamily="49" charset="0"/>
+              </a:rPr>
+              <a:t>.</a:t>
+            </a:r>
+            <a:r>
+              <a:rPr lang="en-US" altLang="zh-CN" dirty="0" err="1">
+                <a:solidFill>
+                  <a:srgbClr val="61AFEF"/>
+                </a:solidFill>
+                <a:latin typeface="Consolas" panose="020B0609020204030204" pitchFamily="49" charset="0"/>
+              </a:rPr>
+              <a:t>map</a:t>
+            </a:r>
+            <a:r>
+              <a:rPr lang="en-US" altLang="zh-CN" dirty="0">
+                <a:solidFill>
+                  <a:srgbClr val="ABB2BF"/>
+                </a:solidFill>
+                <a:latin typeface="Consolas" panose="020B0609020204030204" pitchFamily="49" charset="0"/>
+              </a:rPr>
+              <a:t>(v</a:t>
+            </a:r>
+            <a:r>
+              <a:rPr lang="en-US" altLang="zh-CN" dirty="0">
+                <a:solidFill>
+                  <a:srgbClr val="BBBBBB"/>
+                </a:solidFill>
+                <a:latin typeface="Consolas" panose="020B0609020204030204" pitchFamily="49" charset="0"/>
+              </a:rPr>
+              <a:t> </a:t>
+            </a:r>
+            <a:r>
+              <a:rPr lang="en-US" altLang="zh-CN" dirty="0">
+                <a:solidFill>
+                  <a:srgbClr val="C678DD"/>
+                </a:solidFill>
+                <a:latin typeface="Consolas" panose="020B0609020204030204" pitchFamily="49" charset="0"/>
+              </a:rPr>
+              <a:t>=&gt;</a:t>
+            </a:r>
+            <a:r>
+              <a:rPr lang="en-US" altLang="zh-CN" dirty="0">
+                <a:solidFill>
+                  <a:srgbClr val="BBBBBB"/>
+                </a:solidFill>
+                <a:latin typeface="Consolas" panose="020B0609020204030204" pitchFamily="49" charset="0"/>
+              </a:rPr>
+              <a:t> </a:t>
+            </a:r>
+            <a:r>
+              <a:rPr lang="en-US" altLang="zh-CN" dirty="0">
+                <a:solidFill>
+                  <a:srgbClr val="ABB2BF"/>
+                </a:solidFill>
+                <a:latin typeface="Consolas" panose="020B0609020204030204" pitchFamily="49" charset="0"/>
+              </a:rPr>
+              <a:t>{</a:t>
+            </a:r>
+            <a:endParaRPr lang="en-US" altLang="zh-CN" dirty="0">
+              <a:solidFill>
+                <a:srgbClr val="BBBBBB"/>
+              </a:solidFill>
+              <a:latin typeface="Consolas" panose="020B0609020204030204" pitchFamily="49" charset="0"/>
+            </a:endParaRPr>
+          </a:p>
+          <a:p>
+            <a:r>
+              <a:rPr lang="en-US" altLang="zh-CN" dirty="0" smtClean="0">
+                <a:solidFill>
+                  <a:srgbClr val="E5C07B"/>
+                </a:solidFill>
+                <a:latin typeface="Consolas" panose="020B0609020204030204" pitchFamily="49" charset="0"/>
+              </a:rPr>
+              <a:t>  console</a:t>
+            </a:r>
+            <a:r>
+              <a:rPr lang="en-US" altLang="zh-CN" dirty="0" smtClean="0">
+                <a:solidFill>
+                  <a:srgbClr val="ABB2BF"/>
+                </a:solidFill>
+                <a:latin typeface="Consolas" panose="020B0609020204030204" pitchFamily="49" charset="0"/>
+              </a:rPr>
+              <a:t>.</a:t>
+            </a:r>
+            <a:r>
+              <a:rPr lang="en-US" altLang="zh-CN" dirty="0" smtClean="0">
+                <a:solidFill>
+                  <a:srgbClr val="56B6C2"/>
+                </a:solidFill>
+                <a:latin typeface="Consolas" panose="020B0609020204030204" pitchFamily="49" charset="0"/>
+              </a:rPr>
+              <a:t>log</a:t>
+            </a:r>
+            <a:r>
+              <a:rPr lang="en-US" altLang="zh-CN" dirty="0">
+                <a:solidFill>
+                  <a:srgbClr val="ABB2BF"/>
+                </a:solidFill>
+                <a:latin typeface="Consolas" panose="020B0609020204030204" pitchFamily="49" charset="0"/>
+              </a:rPr>
+              <a:t>(</a:t>
+            </a:r>
+            <a:r>
+              <a:rPr lang="en-US" altLang="zh-CN" dirty="0">
+                <a:solidFill>
+                  <a:srgbClr val="98C379"/>
+                </a:solidFill>
+                <a:latin typeface="Consolas" panose="020B0609020204030204" pitchFamily="49" charset="0"/>
+              </a:rPr>
+              <a:t>'</a:t>
+            </a:r>
+            <a:r>
+              <a:rPr lang="zh-CN" altLang="en-US" dirty="0">
+                <a:solidFill>
+                  <a:srgbClr val="98C379"/>
+                </a:solidFill>
+                <a:latin typeface="Consolas" panose="020B0609020204030204" pitchFamily="49" charset="0"/>
+              </a:rPr>
+              <a:t>原生 </a:t>
+            </a:r>
+            <a:r>
+              <a:rPr lang="en-US" altLang="zh-CN" dirty="0">
+                <a:solidFill>
+                  <a:srgbClr val="98C379"/>
+                </a:solidFill>
+                <a:latin typeface="Consolas" panose="020B0609020204030204" pitchFamily="49" charset="0"/>
+              </a:rPr>
+              <a:t>Array </a:t>
+            </a:r>
+            <a:r>
+              <a:rPr lang="zh-CN" altLang="en-US" dirty="0">
+                <a:solidFill>
+                  <a:srgbClr val="98C379"/>
+                </a:solidFill>
+                <a:latin typeface="Consolas" panose="020B0609020204030204" pitchFamily="49" charset="0"/>
+              </a:rPr>
+              <a:t>执行</a:t>
+            </a:r>
+            <a:r>
+              <a:rPr lang="en-US" altLang="zh-CN" dirty="0">
+                <a:solidFill>
+                  <a:srgbClr val="98C379"/>
+                </a:solidFill>
+                <a:latin typeface="Consolas" panose="020B0609020204030204" pitchFamily="49" charset="0"/>
+              </a:rPr>
+              <a:t>'</a:t>
+            </a:r>
+            <a:r>
+              <a:rPr lang="en-US" altLang="zh-CN" dirty="0">
+                <a:solidFill>
+                  <a:srgbClr val="ABB2BF"/>
+                </a:solidFill>
+                <a:latin typeface="Consolas" panose="020B0609020204030204" pitchFamily="49" charset="0"/>
+              </a:rPr>
+              <a:t>)</a:t>
+            </a:r>
+            <a:endParaRPr lang="zh-CN" altLang="en-US" dirty="0">
+              <a:solidFill>
+                <a:srgbClr val="BBBBBB"/>
+              </a:solidFill>
+              <a:latin typeface="Consolas" panose="020B0609020204030204" pitchFamily="49" charset="0"/>
+            </a:endParaRPr>
+          </a:p>
+          <a:p>
+            <a:r>
+              <a:rPr lang="en-US" altLang="zh-CN" dirty="0" smtClean="0">
+                <a:solidFill>
+                  <a:srgbClr val="C678DD"/>
+                </a:solidFill>
+                <a:latin typeface="Consolas" panose="020B0609020204030204" pitchFamily="49" charset="0"/>
+              </a:rPr>
+              <a:t>  return</a:t>
+            </a:r>
+            <a:r>
+              <a:rPr lang="en-US" altLang="zh-CN" dirty="0" smtClean="0">
+                <a:solidFill>
+                  <a:srgbClr val="BBBBBB"/>
+                </a:solidFill>
+                <a:latin typeface="Consolas" panose="020B0609020204030204" pitchFamily="49" charset="0"/>
+              </a:rPr>
+              <a:t> </a:t>
+            </a:r>
+            <a:r>
+              <a:rPr lang="en-US" altLang="zh-CN" dirty="0">
+                <a:solidFill>
+                  <a:srgbClr val="ABB2BF"/>
+                </a:solidFill>
+                <a:latin typeface="Consolas" panose="020B0609020204030204" pitchFamily="49" charset="0"/>
+              </a:rPr>
+              <a:t>v</a:t>
+            </a:r>
+            <a:r>
+              <a:rPr lang="en-US" altLang="zh-CN" dirty="0">
+                <a:solidFill>
+                  <a:srgbClr val="BBBBBB"/>
+                </a:solidFill>
+                <a:latin typeface="Consolas" panose="020B0609020204030204" pitchFamily="49" charset="0"/>
+              </a:rPr>
+              <a:t> </a:t>
+            </a:r>
+            <a:r>
+              <a:rPr lang="en-US" altLang="zh-CN" dirty="0">
+                <a:solidFill>
+                  <a:srgbClr val="56B6C2"/>
+                </a:solidFill>
+                <a:latin typeface="Consolas" panose="020B0609020204030204" pitchFamily="49" charset="0"/>
+              </a:rPr>
+              <a:t>*</a:t>
+            </a:r>
+            <a:r>
+              <a:rPr lang="en-US" altLang="zh-CN" dirty="0">
+                <a:solidFill>
+                  <a:srgbClr val="BBBBBB"/>
+                </a:solidFill>
+                <a:latin typeface="Consolas" panose="020B0609020204030204" pitchFamily="49" charset="0"/>
+              </a:rPr>
+              <a:t> </a:t>
+            </a:r>
+            <a:r>
+              <a:rPr lang="en-US" altLang="zh-CN" dirty="0">
+                <a:solidFill>
+                  <a:srgbClr val="D19A66"/>
+                </a:solidFill>
+                <a:latin typeface="Consolas" panose="020B0609020204030204" pitchFamily="49" charset="0"/>
+              </a:rPr>
+              <a:t>2</a:t>
+            </a:r>
+            <a:endParaRPr lang="en-US" altLang="zh-CN" dirty="0">
+              <a:solidFill>
+                <a:srgbClr val="BBBBBB"/>
+              </a:solidFill>
+              <a:latin typeface="Consolas" panose="020B0609020204030204" pitchFamily="49" charset="0"/>
+            </a:endParaRPr>
+          </a:p>
+          <a:p>
+            <a:r>
+              <a:rPr lang="en-US" altLang="zh-CN" dirty="0" smtClean="0">
+                <a:solidFill>
+                  <a:srgbClr val="ABB2BF"/>
+                </a:solidFill>
+                <a:latin typeface="Consolas" panose="020B0609020204030204" pitchFamily="49" charset="0"/>
+              </a:rPr>
+              <a:t>})</a:t>
+            </a:r>
+            <a:endParaRPr lang="en-US" altLang="zh-CN" dirty="0">
+              <a:solidFill>
+                <a:srgbClr val="BBBBBB"/>
+              </a:solidFill>
+              <a:latin typeface="Consolas" panose="020B0609020204030204" pitchFamily="49" charset="0"/>
+            </a:endParaRPr>
+          </a:p>
+        </p:txBody>
+      </p:sp>
+      <p:sp>
+        <p:nvSpPr>
+          <p:cNvPr id="5" name="矩形 4"/>
+          <p:cNvSpPr/>
+          <p:nvPr/>
+        </p:nvSpPr>
+        <p:spPr>
+          <a:xfrm>
+            <a:off x="3048000" y="3733644"/>
+            <a:ext cx="6096000" cy="1200329"/>
+          </a:xfrm>
+          <a:prstGeom prst="rect">
+            <a:avLst/>
+          </a:prstGeom>
+          <a:solidFill>
+            <a:schemeClr val="bg1">
+              <a:lumMod val="85000"/>
+              <a:lumOff val="15000"/>
+            </a:schemeClr>
+          </a:solidFill>
+        </p:spPr>
+        <p:txBody>
+          <a:bodyPr>
+            <a:spAutoFit/>
+          </a:bodyPr>
+          <a:lstStyle/>
+          <a:p>
+            <a:r>
+              <a:rPr lang="en-US" altLang="zh-CN" dirty="0" err="1">
+                <a:solidFill>
+                  <a:srgbClr val="C678DD"/>
+                </a:solidFill>
+                <a:latin typeface="Consolas" panose="020B0609020204030204" pitchFamily="49" charset="0"/>
+              </a:rPr>
+              <a:t>const</a:t>
+            </a:r>
+            <a:r>
+              <a:rPr lang="en-US" altLang="zh-CN" dirty="0">
+                <a:solidFill>
+                  <a:srgbClr val="BBBBBB"/>
+                </a:solidFill>
+                <a:latin typeface="Consolas" panose="020B0609020204030204" pitchFamily="49" charset="0"/>
+              </a:rPr>
+              <a:t> </a:t>
+            </a:r>
+            <a:r>
+              <a:rPr lang="en-US" altLang="zh-CN" dirty="0">
+                <a:solidFill>
+                  <a:srgbClr val="ABB2BF"/>
+                </a:solidFill>
+                <a:latin typeface="Consolas" panose="020B0609020204030204" pitchFamily="49" charset="0"/>
+              </a:rPr>
+              <a:t>list</a:t>
+            </a:r>
+            <a:r>
+              <a:rPr lang="en-US" altLang="zh-CN" dirty="0">
+                <a:solidFill>
+                  <a:srgbClr val="BBBBBB"/>
+                </a:solidFill>
+                <a:latin typeface="Consolas" panose="020B0609020204030204" pitchFamily="49" charset="0"/>
+              </a:rPr>
+              <a:t> </a:t>
+            </a:r>
+            <a:r>
+              <a:rPr lang="en-US" altLang="zh-CN" dirty="0">
+                <a:solidFill>
+                  <a:srgbClr val="56B6C2"/>
+                </a:solidFill>
+                <a:latin typeface="Consolas" panose="020B0609020204030204" pitchFamily="49" charset="0"/>
+              </a:rPr>
+              <a:t>=</a:t>
+            </a:r>
+            <a:r>
+              <a:rPr lang="en-US" altLang="zh-CN" dirty="0">
+                <a:solidFill>
+                  <a:srgbClr val="BBBBBB"/>
+                </a:solidFill>
+                <a:latin typeface="Consolas" panose="020B0609020204030204" pitchFamily="49" charset="0"/>
+              </a:rPr>
+              <a:t> </a:t>
+            </a:r>
+            <a:r>
+              <a:rPr lang="en-US" altLang="zh-CN" dirty="0" err="1">
+                <a:solidFill>
+                  <a:srgbClr val="E06C75"/>
+                </a:solidFill>
+                <a:latin typeface="Consolas" panose="020B0609020204030204" pitchFamily="49" charset="0"/>
+              </a:rPr>
+              <a:t>Immutable</a:t>
+            </a:r>
+            <a:r>
+              <a:rPr lang="en-US" altLang="zh-CN" dirty="0" err="1">
+                <a:solidFill>
+                  <a:srgbClr val="ABB2BF"/>
+                </a:solidFill>
+                <a:latin typeface="Consolas" panose="020B0609020204030204" pitchFamily="49" charset="0"/>
+              </a:rPr>
+              <a:t>.</a:t>
+            </a:r>
+            <a:r>
+              <a:rPr lang="en-US" altLang="zh-CN" dirty="0" err="1">
+                <a:solidFill>
+                  <a:srgbClr val="61AFEF"/>
+                </a:solidFill>
+                <a:latin typeface="Consolas" panose="020B0609020204030204" pitchFamily="49" charset="0"/>
+              </a:rPr>
+              <a:t>Seq</a:t>
+            </a:r>
+            <a:r>
+              <a:rPr lang="en-US" altLang="zh-CN" dirty="0">
+                <a:solidFill>
+                  <a:srgbClr val="ABB2BF"/>
+                </a:solidFill>
+                <a:latin typeface="Consolas" panose="020B0609020204030204" pitchFamily="49" charset="0"/>
+              </a:rPr>
+              <a:t>(array).</a:t>
+            </a:r>
+            <a:r>
+              <a:rPr lang="en-US" altLang="zh-CN" dirty="0">
+                <a:solidFill>
+                  <a:srgbClr val="61AFEF"/>
+                </a:solidFill>
+                <a:latin typeface="Consolas" panose="020B0609020204030204" pitchFamily="49" charset="0"/>
+              </a:rPr>
+              <a:t>map</a:t>
+            </a:r>
+            <a:r>
+              <a:rPr lang="en-US" altLang="zh-CN" dirty="0">
+                <a:solidFill>
+                  <a:srgbClr val="ABB2BF"/>
+                </a:solidFill>
+                <a:latin typeface="Consolas" panose="020B0609020204030204" pitchFamily="49" charset="0"/>
+              </a:rPr>
+              <a:t>(v</a:t>
+            </a:r>
+            <a:r>
+              <a:rPr lang="en-US" altLang="zh-CN" dirty="0">
+                <a:solidFill>
+                  <a:srgbClr val="BBBBBB"/>
+                </a:solidFill>
+                <a:latin typeface="Consolas" panose="020B0609020204030204" pitchFamily="49" charset="0"/>
+              </a:rPr>
+              <a:t> </a:t>
+            </a:r>
+            <a:r>
+              <a:rPr lang="en-US" altLang="zh-CN" dirty="0">
+                <a:solidFill>
+                  <a:srgbClr val="C678DD"/>
+                </a:solidFill>
+                <a:latin typeface="Consolas" panose="020B0609020204030204" pitchFamily="49" charset="0"/>
+              </a:rPr>
+              <a:t>=&gt;</a:t>
+            </a:r>
+            <a:r>
+              <a:rPr lang="en-US" altLang="zh-CN" dirty="0">
+                <a:solidFill>
+                  <a:srgbClr val="BBBBBB"/>
+                </a:solidFill>
+                <a:latin typeface="Consolas" panose="020B0609020204030204" pitchFamily="49" charset="0"/>
+              </a:rPr>
+              <a:t> </a:t>
+            </a:r>
+            <a:r>
+              <a:rPr lang="en-US" altLang="zh-CN" dirty="0">
+                <a:solidFill>
+                  <a:srgbClr val="ABB2BF"/>
+                </a:solidFill>
+                <a:latin typeface="Consolas" panose="020B0609020204030204" pitchFamily="49" charset="0"/>
+              </a:rPr>
+              <a:t>{</a:t>
+            </a:r>
+            <a:endParaRPr lang="en-US" altLang="zh-CN" dirty="0">
+              <a:solidFill>
+                <a:srgbClr val="BBBBBB"/>
+              </a:solidFill>
+              <a:latin typeface="Consolas" panose="020B0609020204030204" pitchFamily="49" charset="0"/>
+            </a:endParaRPr>
+          </a:p>
+          <a:p>
+            <a:r>
+              <a:rPr lang="en-US" altLang="zh-CN" dirty="0">
+                <a:solidFill>
+                  <a:srgbClr val="E5C07B"/>
+                </a:solidFill>
+                <a:latin typeface="Consolas" panose="020B0609020204030204" pitchFamily="49" charset="0"/>
+              </a:rPr>
+              <a:t>console</a:t>
+            </a:r>
+            <a:r>
+              <a:rPr lang="en-US" altLang="zh-CN" dirty="0">
+                <a:solidFill>
+                  <a:srgbClr val="ABB2BF"/>
+                </a:solidFill>
+                <a:latin typeface="Consolas" panose="020B0609020204030204" pitchFamily="49" charset="0"/>
+              </a:rPr>
+              <a:t>.</a:t>
+            </a:r>
+            <a:r>
+              <a:rPr lang="en-US" altLang="zh-CN" dirty="0">
+                <a:solidFill>
+                  <a:srgbClr val="56B6C2"/>
+                </a:solidFill>
+                <a:latin typeface="Consolas" panose="020B0609020204030204" pitchFamily="49" charset="0"/>
+              </a:rPr>
+              <a:t>log</a:t>
+            </a:r>
+            <a:r>
+              <a:rPr lang="en-US" altLang="zh-CN" dirty="0">
+                <a:solidFill>
+                  <a:srgbClr val="ABB2BF"/>
+                </a:solidFill>
+                <a:latin typeface="Consolas" panose="020B0609020204030204" pitchFamily="49" charset="0"/>
+              </a:rPr>
+              <a:t>(</a:t>
+            </a:r>
+            <a:r>
+              <a:rPr lang="en-US" altLang="zh-CN" dirty="0">
+                <a:solidFill>
+                  <a:srgbClr val="98C379"/>
+                </a:solidFill>
+                <a:latin typeface="Consolas" panose="020B0609020204030204" pitchFamily="49" charset="0"/>
+              </a:rPr>
+              <a:t>'Immutable List </a:t>
+            </a:r>
+            <a:r>
+              <a:rPr lang="zh-CN" altLang="en-US" dirty="0">
+                <a:solidFill>
+                  <a:srgbClr val="98C379"/>
+                </a:solidFill>
+                <a:latin typeface="Consolas" panose="020B0609020204030204" pitchFamily="49" charset="0"/>
+              </a:rPr>
+              <a:t>执行</a:t>
+            </a:r>
+            <a:r>
+              <a:rPr lang="en-US" altLang="zh-CN" dirty="0">
+                <a:solidFill>
+                  <a:srgbClr val="98C379"/>
+                </a:solidFill>
+                <a:latin typeface="Consolas" panose="020B0609020204030204" pitchFamily="49" charset="0"/>
+              </a:rPr>
+              <a:t>:'</a:t>
+            </a:r>
+            <a:r>
+              <a:rPr lang="en-US" altLang="zh-CN" dirty="0">
+                <a:solidFill>
+                  <a:srgbClr val="ABB2BF"/>
+                </a:solidFill>
+                <a:latin typeface="Consolas" panose="020B0609020204030204" pitchFamily="49" charset="0"/>
+              </a:rPr>
+              <a:t>,</a:t>
+            </a:r>
+            <a:r>
+              <a:rPr lang="zh-CN" altLang="en-US" dirty="0">
+                <a:solidFill>
+                  <a:srgbClr val="BBBBBB"/>
+                </a:solidFill>
+                <a:latin typeface="Consolas" panose="020B0609020204030204" pitchFamily="49" charset="0"/>
+              </a:rPr>
+              <a:t> </a:t>
+            </a:r>
+            <a:r>
+              <a:rPr lang="en-US" altLang="zh-CN" dirty="0">
+                <a:solidFill>
+                  <a:srgbClr val="ABB2BF"/>
+                </a:solidFill>
+                <a:latin typeface="Consolas" panose="020B0609020204030204" pitchFamily="49" charset="0"/>
+              </a:rPr>
+              <a:t>v)</a:t>
+            </a:r>
+            <a:endParaRPr lang="en-US" altLang="zh-CN" dirty="0">
+              <a:solidFill>
+                <a:srgbClr val="BBBBBB"/>
+              </a:solidFill>
+              <a:latin typeface="Consolas" panose="020B0609020204030204" pitchFamily="49" charset="0"/>
+            </a:endParaRPr>
+          </a:p>
+          <a:p>
+            <a:r>
+              <a:rPr lang="en-US" altLang="zh-CN" dirty="0" smtClean="0">
+                <a:solidFill>
+                  <a:srgbClr val="C678DD"/>
+                </a:solidFill>
+                <a:latin typeface="Consolas" panose="020B0609020204030204" pitchFamily="49" charset="0"/>
+              </a:rPr>
+              <a:t>  return</a:t>
+            </a:r>
+            <a:r>
+              <a:rPr lang="en-US" altLang="zh-CN" dirty="0" smtClean="0">
+                <a:solidFill>
+                  <a:srgbClr val="BBBBBB"/>
+                </a:solidFill>
+                <a:latin typeface="Consolas" panose="020B0609020204030204" pitchFamily="49" charset="0"/>
+              </a:rPr>
+              <a:t> </a:t>
+            </a:r>
+            <a:r>
+              <a:rPr lang="en-US" altLang="zh-CN" dirty="0">
+                <a:solidFill>
+                  <a:srgbClr val="ABB2BF"/>
+                </a:solidFill>
+                <a:latin typeface="Consolas" panose="020B0609020204030204" pitchFamily="49" charset="0"/>
+              </a:rPr>
+              <a:t>v</a:t>
+            </a:r>
+            <a:r>
+              <a:rPr lang="en-US" altLang="zh-CN" dirty="0">
+                <a:solidFill>
+                  <a:srgbClr val="BBBBBB"/>
+                </a:solidFill>
+                <a:latin typeface="Consolas" panose="020B0609020204030204" pitchFamily="49" charset="0"/>
+              </a:rPr>
+              <a:t> </a:t>
+            </a:r>
+            <a:r>
+              <a:rPr lang="en-US" altLang="zh-CN" dirty="0">
+                <a:solidFill>
+                  <a:srgbClr val="56B6C2"/>
+                </a:solidFill>
+                <a:latin typeface="Consolas" panose="020B0609020204030204" pitchFamily="49" charset="0"/>
+              </a:rPr>
+              <a:t>*</a:t>
+            </a:r>
+            <a:r>
+              <a:rPr lang="en-US" altLang="zh-CN" dirty="0">
+                <a:solidFill>
+                  <a:srgbClr val="BBBBBB"/>
+                </a:solidFill>
+                <a:latin typeface="Consolas" panose="020B0609020204030204" pitchFamily="49" charset="0"/>
+              </a:rPr>
+              <a:t> </a:t>
+            </a:r>
+            <a:r>
+              <a:rPr lang="en-US" altLang="zh-CN" dirty="0">
+                <a:solidFill>
+                  <a:srgbClr val="D19A66"/>
+                </a:solidFill>
+                <a:latin typeface="Consolas" panose="020B0609020204030204" pitchFamily="49" charset="0"/>
+              </a:rPr>
+              <a:t>2</a:t>
+            </a:r>
+            <a:endParaRPr lang="en-US" altLang="zh-CN" dirty="0">
+              <a:solidFill>
+                <a:srgbClr val="BBBBBB"/>
+              </a:solidFill>
+              <a:latin typeface="Consolas" panose="020B0609020204030204" pitchFamily="49" charset="0"/>
+            </a:endParaRPr>
+          </a:p>
+          <a:p>
+            <a:r>
+              <a:rPr lang="en-US" altLang="zh-CN" dirty="0">
+                <a:solidFill>
+                  <a:srgbClr val="ABB2BF"/>
+                </a:solidFill>
+                <a:latin typeface="Consolas" panose="020B0609020204030204" pitchFamily="49" charset="0"/>
+              </a:rPr>
+              <a:t>})</a:t>
+            </a:r>
+            <a:endParaRPr lang="en-US" altLang="zh-CN" b="0" dirty="0">
+              <a:solidFill>
+                <a:srgbClr val="BBBBBB"/>
+              </a:solidFill>
+              <a:effectLst/>
+              <a:latin typeface="Consolas" panose="020B0609020204030204" pitchFamily="49" charset="0"/>
+            </a:endParaRPr>
+          </a:p>
+        </p:txBody>
+      </p:sp>
+      <p:sp>
+        <p:nvSpPr>
+          <p:cNvPr id="6" name="矩形 5"/>
+          <p:cNvSpPr/>
+          <p:nvPr/>
+        </p:nvSpPr>
+        <p:spPr>
+          <a:xfrm>
+            <a:off x="3048000" y="5246060"/>
+            <a:ext cx="6096000" cy="369332"/>
+          </a:xfrm>
+          <a:prstGeom prst="rect">
+            <a:avLst/>
+          </a:prstGeom>
+          <a:solidFill>
+            <a:schemeClr val="bg1">
+              <a:lumMod val="85000"/>
+              <a:lumOff val="15000"/>
+            </a:schemeClr>
+          </a:solidFill>
+        </p:spPr>
+        <p:txBody>
+          <a:bodyPr>
+            <a:spAutoFit/>
+          </a:bodyPr>
+          <a:lstStyle/>
+          <a:p>
+            <a:r>
+              <a:rPr lang="en-US" altLang="zh-CN" dirty="0" err="1" smtClean="0">
+                <a:solidFill>
+                  <a:srgbClr val="C678DD"/>
+                </a:solidFill>
+                <a:latin typeface="Consolas" panose="020B0609020204030204" pitchFamily="49" charset="0"/>
+              </a:rPr>
+              <a:t>const</a:t>
+            </a:r>
+            <a:r>
+              <a:rPr lang="en-US" altLang="zh-CN" dirty="0" smtClean="0">
+                <a:solidFill>
+                  <a:srgbClr val="BBBBBB"/>
+                </a:solidFill>
+                <a:latin typeface="Consolas" panose="020B0609020204030204" pitchFamily="49" charset="0"/>
+              </a:rPr>
+              <a:t> </a:t>
+            </a:r>
+            <a:r>
+              <a:rPr lang="en-US" altLang="zh-CN" dirty="0" err="1">
+                <a:solidFill>
+                  <a:srgbClr val="ABB2BF"/>
+                </a:solidFill>
+                <a:latin typeface="Consolas" panose="020B0609020204030204" pitchFamily="49" charset="0"/>
+              </a:rPr>
+              <a:t>listItem</a:t>
+            </a:r>
+            <a:r>
+              <a:rPr lang="en-US" altLang="zh-CN" dirty="0">
+                <a:solidFill>
+                  <a:srgbClr val="BBBBBB"/>
+                </a:solidFill>
+                <a:latin typeface="Consolas" panose="020B0609020204030204" pitchFamily="49" charset="0"/>
+              </a:rPr>
+              <a:t> </a:t>
+            </a:r>
+            <a:r>
+              <a:rPr lang="en-US" altLang="zh-CN" dirty="0">
+                <a:solidFill>
+                  <a:srgbClr val="56B6C2"/>
+                </a:solidFill>
+                <a:latin typeface="Consolas" panose="020B0609020204030204" pitchFamily="49" charset="0"/>
+              </a:rPr>
+              <a:t>=</a:t>
+            </a:r>
+            <a:r>
+              <a:rPr lang="en-US" altLang="zh-CN" dirty="0">
+                <a:solidFill>
+                  <a:srgbClr val="BBBBBB"/>
+                </a:solidFill>
+                <a:latin typeface="Consolas" panose="020B0609020204030204" pitchFamily="49" charset="0"/>
+              </a:rPr>
+              <a:t> </a:t>
+            </a:r>
+            <a:r>
+              <a:rPr lang="en-US" altLang="zh-CN" dirty="0" err="1">
+                <a:solidFill>
+                  <a:srgbClr val="E06C75"/>
+                </a:solidFill>
+                <a:latin typeface="Consolas" panose="020B0609020204030204" pitchFamily="49" charset="0"/>
+              </a:rPr>
+              <a:t>list</a:t>
+            </a:r>
+            <a:r>
+              <a:rPr lang="en-US" altLang="zh-CN" dirty="0" err="1">
+                <a:solidFill>
+                  <a:srgbClr val="ABB2BF"/>
+                </a:solidFill>
+                <a:latin typeface="Consolas" panose="020B0609020204030204" pitchFamily="49" charset="0"/>
+              </a:rPr>
+              <a:t>.</a:t>
+            </a:r>
+            <a:r>
+              <a:rPr lang="en-US" altLang="zh-CN" dirty="0" err="1">
+                <a:solidFill>
+                  <a:srgbClr val="56B6C2"/>
+                </a:solidFill>
+                <a:latin typeface="Consolas" panose="020B0609020204030204" pitchFamily="49" charset="0"/>
+              </a:rPr>
+              <a:t>get</a:t>
+            </a:r>
+            <a:r>
+              <a:rPr lang="en-US" altLang="zh-CN" dirty="0">
+                <a:solidFill>
+                  <a:srgbClr val="ABB2BF"/>
+                </a:solidFill>
+                <a:latin typeface="Consolas" panose="020B0609020204030204" pitchFamily="49" charset="0"/>
+              </a:rPr>
+              <a:t>(</a:t>
+            </a:r>
+            <a:r>
+              <a:rPr lang="en-US" altLang="zh-CN" dirty="0">
+                <a:solidFill>
+                  <a:srgbClr val="D19A66"/>
+                </a:solidFill>
+                <a:latin typeface="Consolas" panose="020B0609020204030204" pitchFamily="49" charset="0"/>
+              </a:rPr>
+              <a:t>3</a:t>
+            </a:r>
+            <a:r>
+              <a:rPr lang="en-US" altLang="zh-CN" dirty="0">
+                <a:solidFill>
+                  <a:srgbClr val="ABB2BF"/>
+                </a:solidFill>
+                <a:latin typeface="Consolas" panose="020B0609020204030204" pitchFamily="49" charset="0"/>
+              </a:rPr>
+              <a:t>)</a:t>
+            </a:r>
+            <a:endParaRPr lang="en-US" altLang="zh-CN" b="0" dirty="0">
+              <a:solidFill>
+                <a:srgbClr val="BBBBBB"/>
+              </a:solidFill>
+              <a:effectLst/>
+              <a:latin typeface="Consolas" panose="020B0609020204030204" pitchFamily="49" charset="0"/>
+            </a:endParaRPr>
+          </a:p>
+        </p:txBody>
+      </p:sp>
+      <p:pic>
+        <p:nvPicPr>
+          <p:cNvPr id="8" name="图片 7"/>
+          <p:cNvPicPr>
+            <a:picLocks noChangeAspect="1"/>
+          </p:cNvPicPr>
+          <p:nvPr/>
+        </p:nvPicPr>
+        <p:blipFill>
+          <a:blip r:embed="rId3">
+            <a:extLst>
+              <a:ext uri="{28A0092B-C50C-407E-A947-70E740481C1C}">
+                <a14:useLocalDpi xmlns:a14="http://schemas.microsoft.com/office/drawing/2010/main" val="0"/>
+              </a:ext>
+            </a:extLst>
+          </a:blip>
+          <a:stretch>
+            <a:fillRect/>
+          </a:stretch>
+        </p:blipFill>
+        <p:spPr>
+          <a:xfrm>
+            <a:off x="7213840" y="5570745"/>
+            <a:ext cx="4382112" cy="666843"/>
+          </a:xfrm>
+          <a:prstGeom prst="rect">
+            <a:avLst/>
+          </a:prstGeom>
+        </p:spPr>
+      </p:pic>
+      <p:pic>
+        <p:nvPicPr>
+          <p:cNvPr id="9" name="图片 8"/>
+          <p:cNvPicPr>
+            <a:picLocks noChangeAspect="1"/>
+          </p:cNvPicPr>
+          <p:nvPr/>
+        </p:nvPicPr>
+        <p:blipFill>
+          <a:blip r:embed="rId4">
+            <a:extLst>
+              <a:ext uri="{28A0092B-C50C-407E-A947-70E740481C1C}">
+                <a14:useLocalDpi xmlns:a14="http://schemas.microsoft.com/office/drawing/2010/main" val="0"/>
+              </a:ext>
+            </a:extLst>
+          </a:blip>
+          <a:stretch>
+            <a:fillRect/>
+          </a:stretch>
+        </p:blipFill>
+        <p:spPr>
+          <a:xfrm>
+            <a:off x="7213840" y="2178187"/>
+            <a:ext cx="4353533" cy="704948"/>
+          </a:xfrm>
+          <a:prstGeom prst="rect">
+            <a:avLst/>
+          </a:prstGeom>
+        </p:spPr>
+      </p:pic>
+    </p:spTree>
+    <p:extLst>
+      <p:ext uri="{BB962C8B-B14F-4D97-AF65-F5344CB8AC3E}">
+        <p14:creationId xmlns:p14="http://schemas.microsoft.com/office/powerpoint/2010/main" val="2849196560"/>
+      </p:ext>
+    </p:extLst>
+  </p:cSld>
+  <p:clrMapOvr>
+    <a:masterClrMapping/>
+  </p:clrMapOvr>
+  <p:timing>
+    <p:tnLst>
+      <p:par>
+        <p:cTn id="1" dur="indefinite" restart="never" nodeType="tmRoot"/>
+      </p:par>
+    </p:tnLst>
+  </p:timing>
+</p:sld>
+</file>
+
+<file path=ppt/slides/slide9.xml><?xml version="1.0" encoding="utf-8"?>
+<p:sld xmlns:a="http://schemas.openxmlformats.org/drawingml/2006/main" xmlns:r="http://schemas.openxmlformats.org/officeDocument/2006/relationships" xmlns:p="http://schemas.openxmlformats.org/presentationml/2006/main">
+  <p:cSld>
+    <p:spTree>
+      <p:nvGrpSpPr>
+        <p:cNvPr id="1" name=""/>
+        <p:cNvGrpSpPr/>
+        <p:nvPr/>
+      </p:nvGrpSpPr>
+      <p:grpSpPr>
+        <a:xfrm>
+          <a:off x="0" y="0"/>
+          <a:ext cx="0" cy="0"/>
+          <a:chOff x="0" y="0"/>
+          <a:chExt cx="0" cy="0"/>
+        </a:xfrm>
+      </p:grpSpPr>
+      <p:sp>
+        <p:nvSpPr>
+          <p:cNvPr id="2" name="文本框 1"/>
+          <p:cNvSpPr txBox="1"/>
+          <p:nvPr/>
+        </p:nvSpPr>
+        <p:spPr>
+          <a:xfrm>
+            <a:off x="733631" y="89867"/>
+            <a:ext cx="2804422" cy="461665"/>
+          </a:xfrm>
+          <a:prstGeom prst="rect">
+            <a:avLst/>
+          </a:prstGeom>
+          <a:noFill/>
+        </p:spPr>
+        <p:txBody>
+          <a:bodyPr wrap="none" rtlCol="0">
+            <a:spAutoFit/>
+          </a:bodyPr>
+          <a:lstStyle/>
+          <a:p>
+            <a:r>
+              <a:rPr lang="en-US" altLang="zh-CN" sz="2400" dirty="0" smtClean="0"/>
+              <a:t>React + Immutable.js</a:t>
+            </a:r>
+            <a:endParaRPr lang="zh-CN" altLang="en-US" sz="2400" dirty="0"/>
+          </a:p>
+        </p:txBody>
+      </p:sp>
+      <p:pic>
+        <p:nvPicPr>
+          <p:cNvPr id="4" name="图片 3"/>
+          <p:cNvPicPr>
+            <a:picLocks noChangeAspect="1"/>
+          </p:cNvPicPr>
+          <p:nvPr/>
+        </p:nvPicPr>
+        <p:blipFill>
+          <a:blip r:embed="rId3">
+            <a:extLst>
+              <a:ext uri="{28A0092B-C50C-407E-A947-70E740481C1C}">
+                <a14:useLocalDpi xmlns:a14="http://schemas.microsoft.com/office/drawing/2010/main" val="0"/>
+              </a:ext>
+            </a:extLst>
+          </a:blip>
+          <a:stretch>
+            <a:fillRect/>
+          </a:stretch>
+        </p:blipFill>
+        <p:spPr>
+          <a:xfrm>
+            <a:off x="2747495" y="1437997"/>
+            <a:ext cx="6697010" cy="3982006"/>
+          </a:xfrm>
+          <a:prstGeom prst="rect">
+            <a:avLst/>
+          </a:prstGeom>
+        </p:spPr>
+      </p:pic>
+    </p:spTree>
+    <p:extLst>
+      <p:ext uri="{BB962C8B-B14F-4D97-AF65-F5344CB8AC3E}">
+        <p14:creationId xmlns:p14="http://schemas.microsoft.com/office/powerpoint/2010/main" val="3314022637"/>
       </p:ext>
     </p:extLst>
   </p:cSld>
